--- a/icons.pptx
+++ b/icons.pptx
@@ -6,6 +6,7 @@
   </p:sldMasterIdLst>
   <p:sldIdLst>
     <p:sldId id="256" r:id="rId2"/>
+    <p:sldId id="257" r:id="rId3"/>
   </p:sldIdLst>
   <p:sldSz cx="12192000" cy="6858000"/>
   <p:notesSz cx="6858000" cy="9144000"/>
@@ -259,7 +260,7 @@
           <a:p>
             <a:fld id="{610527D8-9084-4F43-B2F9-474A47399933}" type="datetimeFigureOut">
               <a:rPr lang="en-US" smtClean="0"/>
-              <a:t>6/4/2020</a:t>
+              <a:t>6/6/2020</a:t>
             </a:fld>
             <a:endParaRPr lang="en-US"/>
           </a:p>
@@ -457,7 +458,7 @@
           <a:p>
             <a:fld id="{610527D8-9084-4F43-B2F9-474A47399933}" type="datetimeFigureOut">
               <a:rPr lang="en-US" smtClean="0"/>
-              <a:t>6/4/2020</a:t>
+              <a:t>6/6/2020</a:t>
             </a:fld>
             <a:endParaRPr lang="en-US"/>
           </a:p>
@@ -665,7 +666,7 @@
           <a:p>
             <a:fld id="{610527D8-9084-4F43-B2F9-474A47399933}" type="datetimeFigureOut">
               <a:rPr lang="en-US" smtClean="0"/>
-              <a:t>6/4/2020</a:t>
+              <a:t>6/6/2020</a:t>
             </a:fld>
             <a:endParaRPr lang="en-US"/>
           </a:p>
@@ -863,7 +864,7 @@
           <a:p>
             <a:fld id="{610527D8-9084-4F43-B2F9-474A47399933}" type="datetimeFigureOut">
               <a:rPr lang="en-US" smtClean="0"/>
-              <a:t>6/4/2020</a:t>
+              <a:t>6/6/2020</a:t>
             </a:fld>
             <a:endParaRPr lang="en-US"/>
           </a:p>
@@ -1138,7 +1139,7 @@
           <a:p>
             <a:fld id="{610527D8-9084-4F43-B2F9-474A47399933}" type="datetimeFigureOut">
               <a:rPr lang="en-US" smtClean="0"/>
-              <a:t>6/4/2020</a:t>
+              <a:t>6/6/2020</a:t>
             </a:fld>
             <a:endParaRPr lang="en-US"/>
           </a:p>
@@ -1403,7 +1404,7 @@
           <a:p>
             <a:fld id="{610527D8-9084-4F43-B2F9-474A47399933}" type="datetimeFigureOut">
               <a:rPr lang="en-US" smtClean="0"/>
-              <a:t>6/4/2020</a:t>
+              <a:t>6/6/2020</a:t>
             </a:fld>
             <a:endParaRPr lang="en-US"/>
           </a:p>
@@ -1815,7 +1816,7 @@
           <a:p>
             <a:fld id="{610527D8-9084-4F43-B2F9-474A47399933}" type="datetimeFigureOut">
               <a:rPr lang="en-US" smtClean="0"/>
-              <a:t>6/4/2020</a:t>
+              <a:t>6/6/2020</a:t>
             </a:fld>
             <a:endParaRPr lang="en-US"/>
           </a:p>
@@ -1956,7 +1957,7 @@
           <a:p>
             <a:fld id="{610527D8-9084-4F43-B2F9-474A47399933}" type="datetimeFigureOut">
               <a:rPr lang="en-US" smtClean="0"/>
-              <a:t>6/4/2020</a:t>
+              <a:t>6/6/2020</a:t>
             </a:fld>
             <a:endParaRPr lang="en-US"/>
           </a:p>
@@ -2069,7 +2070,7 @@
           <a:p>
             <a:fld id="{610527D8-9084-4F43-B2F9-474A47399933}" type="datetimeFigureOut">
               <a:rPr lang="en-US" smtClean="0"/>
-              <a:t>6/4/2020</a:t>
+              <a:t>6/6/2020</a:t>
             </a:fld>
             <a:endParaRPr lang="en-US"/>
           </a:p>
@@ -2380,7 +2381,7 @@
           <a:p>
             <a:fld id="{610527D8-9084-4F43-B2F9-474A47399933}" type="datetimeFigureOut">
               <a:rPr lang="en-US" smtClean="0"/>
-              <a:t>6/4/2020</a:t>
+              <a:t>6/6/2020</a:t>
             </a:fld>
             <a:endParaRPr lang="en-US"/>
           </a:p>
@@ -2668,7 +2669,7 @@
           <a:p>
             <a:fld id="{610527D8-9084-4F43-B2F9-474A47399933}" type="datetimeFigureOut">
               <a:rPr lang="en-US" smtClean="0"/>
-              <a:t>6/4/2020</a:t>
+              <a:t>6/6/2020</a:t>
             </a:fld>
             <a:endParaRPr lang="en-US"/>
           </a:p>
@@ -2909,7 +2910,7 @@
           <a:p>
             <a:fld id="{610527D8-9084-4F43-B2F9-474A47399933}" type="datetimeFigureOut">
               <a:rPr lang="en-US" smtClean="0"/>
-              <a:t>6/4/2020</a:t>
+              <a:t>6/6/2020</a:t>
             </a:fld>
             <a:endParaRPr lang="en-US"/>
           </a:p>
@@ -3328,10 +3329,10 @@
       </p:grpSpPr>
       <p:grpSp>
         <p:nvGrpSpPr>
-          <p:cNvPr id="47" name="Group 46">
-            <a:extLst>
-              <a:ext uri="{FF2B5EF4-FFF2-40B4-BE49-F238E27FC236}">
-                <a16:creationId xmlns:a16="http://schemas.microsoft.com/office/drawing/2014/main" id="{804195A2-014D-4D07-8128-7BEB858643E8}"/>
+          <p:cNvPr id="46" name="Group 45">
+            <a:extLst>
+              <a:ext uri="{FF2B5EF4-FFF2-40B4-BE49-F238E27FC236}">
+                <a16:creationId xmlns:a16="http://schemas.microsoft.com/office/drawing/2014/main" id="{CA1103B4-A185-4A54-8555-FF7F37438DD6}"/>
               </a:ext>
             </a:extLst>
           </p:cNvPr>
@@ -3342,18 +3343,18 @@
         </p:nvGrpSpPr>
         <p:grpSpPr>
           <a:xfrm>
-            <a:off x="3168829" y="4497234"/>
-            <a:ext cx="1463040" cy="1463040"/>
-            <a:chOff x="3025587" y="4365813"/>
-            <a:chExt cx="1600200" cy="1600200"/>
+            <a:off x="5441154" y="983336"/>
+            <a:ext cx="1189242" cy="1463040"/>
+            <a:chOff x="5047076" y="1856490"/>
+            <a:chExt cx="1152078" cy="1417320"/>
           </a:xfrm>
         </p:grpSpPr>
         <p:sp>
           <p:nvSpPr>
-            <p:cNvPr id="3" name="Oval 2">
+            <p:cNvPr id="41" name="Freeform: Shape 40">
               <a:extLst>
                 <a:ext uri="{FF2B5EF4-FFF2-40B4-BE49-F238E27FC236}">
-                  <a16:creationId xmlns:a16="http://schemas.microsoft.com/office/drawing/2014/main" id="{E15077E6-09F1-4F0F-B65C-6EEDB870A022}"/>
+                  <a16:creationId xmlns:a16="http://schemas.microsoft.com/office/drawing/2014/main" id="{BAF86DC9-2617-449F-B729-48DDB2CC0284}"/>
                 </a:ext>
               </a:extLst>
             </p:cNvPr>
@@ -3362,17 +3363,217 @@
           </p:nvSpPr>
           <p:spPr>
             <a:xfrm>
-              <a:off x="3025587" y="4365813"/>
-              <a:ext cx="1600200" cy="1600200"/>
+              <a:off x="5047076" y="2358469"/>
+              <a:ext cx="1152078" cy="915341"/>
             </a:xfrm>
-            <a:prstGeom prst="ellipse">
+            <a:custGeom>
               <a:avLst/>
-            </a:prstGeom>
-            <a:noFill/>
-            <a:ln w="76200">
-              <a:solidFill>
-                <a:schemeClr val="tx1"/>
-              </a:solidFill>
+              <a:gdLst>
+                <a:gd name="connsiteX0" fmla="*/ 576039 w 1152078"/>
+                <a:gd name="connsiteY0" fmla="*/ 230257 h 915341"/>
+                <a:gd name="connsiteX1" fmla="*/ 438879 w 1152078"/>
+                <a:gd name="connsiteY1" fmla="*/ 371713 h 915341"/>
+                <a:gd name="connsiteX2" fmla="*/ 479052 w 1152078"/>
+                <a:gd name="connsiteY2" fmla="*/ 471738 h 915341"/>
+                <a:gd name="connsiteX3" fmla="*/ 494114 w 1152078"/>
+                <a:gd name="connsiteY3" fmla="*/ 482211 h 915341"/>
+                <a:gd name="connsiteX4" fmla="*/ 494114 w 1152078"/>
+                <a:gd name="connsiteY4" fmla="*/ 686945 h 915341"/>
+                <a:gd name="connsiteX5" fmla="*/ 521423 w 1152078"/>
+                <a:gd name="connsiteY5" fmla="*/ 714254 h 915341"/>
+                <a:gd name="connsiteX6" fmla="*/ 630655 w 1152078"/>
+                <a:gd name="connsiteY6" fmla="*/ 714254 h 915341"/>
+                <a:gd name="connsiteX7" fmla="*/ 657964 w 1152078"/>
+                <a:gd name="connsiteY7" fmla="*/ 686945 h 915341"/>
+                <a:gd name="connsiteX8" fmla="*/ 657964 w 1152078"/>
+                <a:gd name="connsiteY8" fmla="*/ 482211 h 915341"/>
+                <a:gd name="connsiteX9" fmla="*/ 673026 w 1152078"/>
+                <a:gd name="connsiteY9" fmla="*/ 471738 h 915341"/>
+                <a:gd name="connsiteX10" fmla="*/ 713199 w 1152078"/>
+                <a:gd name="connsiteY10" fmla="*/ 371713 h 915341"/>
+                <a:gd name="connsiteX11" fmla="*/ 576039 w 1152078"/>
+                <a:gd name="connsiteY11" fmla="*/ 230257 h 915341"/>
+                <a:gd name="connsiteX12" fmla="*/ 152560 w 1152078"/>
+                <a:gd name="connsiteY12" fmla="*/ 0 h 915341"/>
+                <a:gd name="connsiteX13" fmla="*/ 999518 w 1152078"/>
+                <a:gd name="connsiteY13" fmla="*/ 0 h 915341"/>
+                <a:gd name="connsiteX14" fmla="*/ 1152078 w 1152078"/>
+                <a:gd name="connsiteY14" fmla="*/ 152560 h 915341"/>
+                <a:gd name="connsiteX15" fmla="*/ 1152078 w 1152078"/>
+                <a:gd name="connsiteY15" fmla="*/ 762781 h 915341"/>
+                <a:gd name="connsiteX16" fmla="*/ 999518 w 1152078"/>
+                <a:gd name="connsiteY16" fmla="*/ 915341 h 915341"/>
+                <a:gd name="connsiteX17" fmla="*/ 152560 w 1152078"/>
+                <a:gd name="connsiteY17" fmla="*/ 915341 h 915341"/>
+                <a:gd name="connsiteX18" fmla="*/ 0 w 1152078"/>
+                <a:gd name="connsiteY18" fmla="*/ 762781 h 915341"/>
+                <a:gd name="connsiteX19" fmla="*/ 0 w 1152078"/>
+                <a:gd name="connsiteY19" fmla="*/ 152560 h 915341"/>
+                <a:gd name="connsiteX20" fmla="*/ 152560 w 1152078"/>
+                <a:gd name="connsiteY20" fmla="*/ 0 h 915341"/>
+              </a:gdLst>
+              <a:ahLst/>
+              <a:cxnLst>
+                <a:cxn ang="0">
+                  <a:pos x="connsiteX0" y="connsiteY0"/>
+                </a:cxn>
+                <a:cxn ang="0">
+                  <a:pos x="connsiteX1" y="connsiteY1"/>
+                </a:cxn>
+                <a:cxn ang="0">
+                  <a:pos x="connsiteX2" y="connsiteY2"/>
+                </a:cxn>
+                <a:cxn ang="0">
+                  <a:pos x="connsiteX3" y="connsiteY3"/>
+                </a:cxn>
+                <a:cxn ang="0">
+                  <a:pos x="connsiteX4" y="connsiteY4"/>
+                </a:cxn>
+                <a:cxn ang="0">
+                  <a:pos x="connsiteX5" y="connsiteY5"/>
+                </a:cxn>
+                <a:cxn ang="0">
+                  <a:pos x="connsiteX6" y="connsiteY6"/>
+                </a:cxn>
+                <a:cxn ang="0">
+                  <a:pos x="connsiteX7" y="connsiteY7"/>
+                </a:cxn>
+                <a:cxn ang="0">
+                  <a:pos x="connsiteX8" y="connsiteY8"/>
+                </a:cxn>
+                <a:cxn ang="0">
+                  <a:pos x="connsiteX9" y="connsiteY9"/>
+                </a:cxn>
+                <a:cxn ang="0">
+                  <a:pos x="connsiteX10" y="connsiteY10"/>
+                </a:cxn>
+                <a:cxn ang="0">
+                  <a:pos x="connsiteX11" y="connsiteY11"/>
+                </a:cxn>
+                <a:cxn ang="0">
+                  <a:pos x="connsiteX12" y="connsiteY12"/>
+                </a:cxn>
+                <a:cxn ang="0">
+                  <a:pos x="connsiteX13" y="connsiteY13"/>
+                </a:cxn>
+                <a:cxn ang="0">
+                  <a:pos x="connsiteX14" y="connsiteY14"/>
+                </a:cxn>
+                <a:cxn ang="0">
+                  <a:pos x="connsiteX15" y="connsiteY15"/>
+                </a:cxn>
+                <a:cxn ang="0">
+                  <a:pos x="connsiteX16" y="connsiteY16"/>
+                </a:cxn>
+                <a:cxn ang="0">
+                  <a:pos x="connsiteX17" y="connsiteY17"/>
+                </a:cxn>
+                <a:cxn ang="0">
+                  <a:pos x="connsiteX18" y="connsiteY18"/>
+                </a:cxn>
+                <a:cxn ang="0">
+                  <a:pos x="connsiteX19" y="connsiteY19"/>
+                </a:cxn>
+                <a:cxn ang="0">
+                  <a:pos x="connsiteX20" y="connsiteY20"/>
+                </a:cxn>
+              </a:cxnLst>
+              <a:rect l="l" t="t" r="r" b="b"/>
+              <a:pathLst>
+                <a:path w="1152078" h="915341">
+                  <a:moveTo>
+                    <a:pt x="576039" y="230257"/>
+                  </a:moveTo>
+                  <a:cubicBezTo>
+                    <a:pt x="500288" y="230257"/>
+                    <a:pt x="438879" y="293589"/>
+                    <a:pt x="438879" y="371713"/>
+                  </a:cubicBezTo>
+                  <a:cubicBezTo>
+                    <a:pt x="438879" y="410775"/>
+                    <a:pt x="454231" y="446139"/>
+                    <a:pt x="479052" y="471738"/>
+                  </a:cubicBezTo>
+                  <a:lnTo>
+                    <a:pt x="494114" y="482211"/>
+                  </a:lnTo>
+                  <a:lnTo>
+                    <a:pt x="494114" y="686945"/>
+                  </a:lnTo>
+                  <a:cubicBezTo>
+                    <a:pt x="494114" y="702027"/>
+                    <a:pt x="506341" y="714254"/>
+                    <a:pt x="521423" y="714254"/>
+                  </a:cubicBezTo>
+                  <a:lnTo>
+                    <a:pt x="630655" y="714254"/>
+                  </a:lnTo>
+                  <a:cubicBezTo>
+                    <a:pt x="645737" y="714254"/>
+                    <a:pt x="657964" y="702027"/>
+                    <a:pt x="657964" y="686945"/>
+                  </a:cubicBezTo>
+                  <a:lnTo>
+                    <a:pt x="657964" y="482211"/>
+                  </a:lnTo>
+                  <a:lnTo>
+                    <a:pt x="673026" y="471738"/>
+                  </a:lnTo>
+                  <a:cubicBezTo>
+                    <a:pt x="697847" y="446139"/>
+                    <a:pt x="713199" y="410775"/>
+                    <a:pt x="713199" y="371713"/>
+                  </a:cubicBezTo>
+                  <a:cubicBezTo>
+                    <a:pt x="713199" y="293589"/>
+                    <a:pt x="651790" y="230257"/>
+                    <a:pt x="576039" y="230257"/>
+                  </a:cubicBezTo>
+                  <a:close/>
+                  <a:moveTo>
+                    <a:pt x="152560" y="0"/>
+                  </a:moveTo>
+                  <a:lnTo>
+                    <a:pt x="999518" y="0"/>
+                  </a:lnTo>
+                  <a:cubicBezTo>
+                    <a:pt x="1083775" y="0"/>
+                    <a:pt x="1152078" y="68303"/>
+                    <a:pt x="1152078" y="152560"/>
+                  </a:cubicBezTo>
+                  <a:lnTo>
+                    <a:pt x="1152078" y="762781"/>
+                  </a:lnTo>
+                  <a:cubicBezTo>
+                    <a:pt x="1152078" y="847038"/>
+                    <a:pt x="1083775" y="915341"/>
+                    <a:pt x="999518" y="915341"/>
+                  </a:cubicBezTo>
+                  <a:lnTo>
+                    <a:pt x="152560" y="915341"/>
+                  </a:lnTo>
+                  <a:cubicBezTo>
+                    <a:pt x="68303" y="915341"/>
+                    <a:pt x="0" y="847038"/>
+                    <a:pt x="0" y="762781"/>
+                  </a:cubicBezTo>
+                  <a:lnTo>
+                    <a:pt x="0" y="152560"/>
+                  </a:lnTo>
+                  <a:cubicBezTo>
+                    <a:pt x="0" y="68303"/>
+                    <a:pt x="68303" y="0"/>
+                    <a:pt x="152560" y="0"/>
+                  </a:cubicBezTo>
+                  <a:close/>
+                </a:path>
+              </a:pathLst>
+            </a:custGeom>
+            <a:solidFill>
+              <a:schemeClr val="tx1"/>
+            </a:solidFill>
+            <a:ln>
+              <a:noFill/>
             </a:ln>
           </p:spPr>
           <p:style>
@@ -3392,48 +3593,40 @@
             </a:fontRef>
           </p:style>
           <p:txBody>
-            <a:bodyPr rtlCol="0" anchor="ctr"/>
+            <a:bodyPr wrap="square" rtlCol="0" anchor="ctr">
+              <a:noAutofit/>
+            </a:bodyPr>
             <a:lstStyle/>
             <a:p>
               <a:pPr algn="ctr"/>
-              <a:r>
-                <a:rPr lang="en-US" sz="10500" dirty="0">
-                  <a:solidFill>
-                    <a:schemeClr val="tx1"/>
-                  </a:solidFill>
-                  <a:latin typeface="Arial" panose="020B0604020202020204" pitchFamily="34" charset="0"/>
-                  <a:cs typeface="Arial" panose="020B0604020202020204" pitchFamily="34" charset="0"/>
-                </a:rPr>
-                <a:t>$</a:t>
-              </a:r>
+              <a:endParaRPr lang="en-US" dirty="0"/>
             </a:p>
           </p:txBody>
         </p:sp>
-        <p:cxnSp>
-          <p:nvCxnSpPr>
-            <p:cNvPr id="5" name="Straight Connector 4">
+        <p:sp>
+          <p:nvSpPr>
+            <p:cNvPr id="24" name="Arc 23">
               <a:extLst>
                 <a:ext uri="{FF2B5EF4-FFF2-40B4-BE49-F238E27FC236}">
-                  <a16:creationId xmlns:a16="http://schemas.microsoft.com/office/drawing/2014/main" id="{BA6AC9C0-FC7B-4A0C-8B8B-40BD5C56B725}"/>
+                  <a16:creationId xmlns:a16="http://schemas.microsoft.com/office/drawing/2014/main" id="{E0066D44-E84E-454D-AB19-A76150C4C18D}"/>
                 </a:ext>
               </a:extLst>
             </p:cNvPr>
-            <p:cNvCxnSpPr>
-              <a:cxnSpLocks/>
-              <a:stCxn id="3" idx="7"/>
-              <a:endCxn id="3" idx="3"/>
-            </p:cNvCxnSpPr>
+            <p:cNvSpPr/>
             <p:nvPr/>
-          </p:nvCxnSpPr>
+          </p:nvSpPr>
           <p:spPr>
-            <a:xfrm flipH="1">
-              <a:off x="3259931" y="4600156"/>
-              <a:ext cx="1131512" cy="1131512"/>
+            <a:xfrm>
+              <a:off x="5309872" y="1856490"/>
+              <a:ext cx="636012" cy="660129"/>
             </a:xfrm>
-            <a:prstGeom prst="line">
-              <a:avLst/>
+            <a:prstGeom prst="arc">
+              <a:avLst>
+                <a:gd name="adj1" fmla="val 10728299"/>
+                <a:gd name="adj2" fmla="val 0"/>
+              </a:avLst>
             </a:prstGeom>
-            <a:ln w="76200">
+            <a:ln w="177800">
               <a:solidFill>
                 <a:schemeClr val="tx1"/>
               </a:solidFill>
@@ -3453,480 +3646,6 @@
               <a:schemeClr val="tx1"/>
             </a:fontRef>
           </p:style>
-        </p:cxnSp>
-      </p:grpSp>
-      <p:grpSp>
-        <p:nvGrpSpPr>
-          <p:cNvPr id="77" name="Group 76">
-            <a:extLst>
-              <a:ext uri="{FF2B5EF4-FFF2-40B4-BE49-F238E27FC236}">
-                <a16:creationId xmlns:a16="http://schemas.microsoft.com/office/drawing/2014/main" id="{B5B96BBE-E030-4C15-BF31-1E89D6EFEBAF}"/>
-              </a:ext>
-            </a:extLst>
-          </p:cNvPr>
-          <p:cNvGrpSpPr/>
-          <p:nvPr/>
-        </p:nvGrpSpPr>
-        <p:grpSpPr>
-          <a:xfrm>
-            <a:off x="4303842" y="1064269"/>
-            <a:ext cx="3236327" cy="3236327"/>
-            <a:chOff x="4303842" y="1064269"/>
-            <a:chExt cx="3236327" cy="3236327"/>
-          </a:xfrm>
-        </p:grpSpPr>
-        <p:grpSp>
-          <p:nvGrpSpPr>
-            <p:cNvPr id="46" name="Group 45">
-              <a:extLst>
-                <a:ext uri="{FF2B5EF4-FFF2-40B4-BE49-F238E27FC236}">
-                  <a16:creationId xmlns:a16="http://schemas.microsoft.com/office/drawing/2014/main" id="{CA1103B4-A185-4A54-8555-FF7F37438DD6}"/>
-                </a:ext>
-              </a:extLst>
-            </p:cNvPr>
-            <p:cNvGrpSpPr>
-              <a:grpSpLocks noChangeAspect="1"/>
-            </p:cNvGrpSpPr>
-            <p:nvPr/>
-          </p:nvGrpSpPr>
-          <p:grpSpPr>
-            <a:xfrm>
-              <a:off x="5327384" y="1950912"/>
-              <a:ext cx="1189242" cy="1463040"/>
-              <a:chOff x="5047076" y="1856490"/>
-              <a:chExt cx="1152078" cy="1417320"/>
-            </a:xfrm>
-          </p:grpSpPr>
-          <p:sp>
-            <p:nvSpPr>
-              <p:cNvPr id="41" name="Freeform: Shape 40">
-                <a:extLst>
-                  <a:ext uri="{FF2B5EF4-FFF2-40B4-BE49-F238E27FC236}">
-                    <a16:creationId xmlns:a16="http://schemas.microsoft.com/office/drawing/2014/main" id="{BAF86DC9-2617-449F-B729-48DDB2CC0284}"/>
-                  </a:ext>
-                </a:extLst>
-              </p:cNvPr>
-              <p:cNvSpPr/>
-              <p:nvPr/>
-            </p:nvSpPr>
-            <p:spPr>
-              <a:xfrm>
-                <a:off x="5047076" y="2358469"/>
-                <a:ext cx="1152078" cy="915341"/>
-              </a:xfrm>
-              <a:custGeom>
-                <a:avLst/>
-                <a:gdLst>
-                  <a:gd name="connsiteX0" fmla="*/ 576039 w 1152078"/>
-                  <a:gd name="connsiteY0" fmla="*/ 230257 h 915341"/>
-                  <a:gd name="connsiteX1" fmla="*/ 438879 w 1152078"/>
-                  <a:gd name="connsiteY1" fmla="*/ 371713 h 915341"/>
-                  <a:gd name="connsiteX2" fmla="*/ 479052 w 1152078"/>
-                  <a:gd name="connsiteY2" fmla="*/ 471738 h 915341"/>
-                  <a:gd name="connsiteX3" fmla="*/ 494114 w 1152078"/>
-                  <a:gd name="connsiteY3" fmla="*/ 482211 h 915341"/>
-                  <a:gd name="connsiteX4" fmla="*/ 494114 w 1152078"/>
-                  <a:gd name="connsiteY4" fmla="*/ 686945 h 915341"/>
-                  <a:gd name="connsiteX5" fmla="*/ 521423 w 1152078"/>
-                  <a:gd name="connsiteY5" fmla="*/ 714254 h 915341"/>
-                  <a:gd name="connsiteX6" fmla="*/ 630655 w 1152078"/>
-                  <a:gd name="connsiteY6" fmla="*/ 714254 h 915341"/>
-                  <a:gd name="connsiteX7" fmla="*/ 657964 w 1152078"/>
-                  <a:gd name="connsiteY7" fmla="*/ 686945 h 915341"/>
-                  <a:gd name="connsiteX8" fmla="*/ 657964 w 1152078"/>
-                  <a:gd name="connsiteY8" fmla="*/ 482211 h 915341"/>
-                  <a:gd name="connsiteX9" fmla="*/ 673026 w 1152078"/>
-                  <a:gd name="connsiteY9" fmla="*/ 471738 h 915341"/>
-                  <a:gd name="connsiteX10" fmla="*/ 713199 w 1152078"/>
-                  <a:gd name="connsiteY10" fmla="*/ 371713 h 915341"/>
-                  <a:gd name="connsiteX11" fmla="*/ 576039 w 1152078"/>
-                  <a:gd name="connsiteY11" fmla="*/ 230257 h 915341"/>
-                  <a:gd name="connsiteX12" fmla="*/ 152560 w 1152078"/>
-                  <a:gd name="connsiteY12" fmla="*/ 0 h 915341"/>
-                  <a:gd name="connsiteX13" fmla="*/ 999518 w 1152078"/>
-                  <a:gd name="connsiteY13" fmla="*/ 0 h 915341"/>
-                  <a:gd name="connsiteX14" fmla="*/ 1152078 w 1152078"/>
-                  <a:gd name="connsiteY14" fmla="*/ 152560 h 915341"/>
-                  <a:gd name="connsiteX15" fmla="*/ 1152078 w 1152078"/>
-                  <a:gd name="connsiteY15" fmla="*/ 762781 h 915341"/>
-                  <a:gd name="connsiteX16" fmla="*/ 999518 w 1152078"/>
-                  <a:gd name="connsiteY16" fmla="*/ 915341 h 915341"/>
-                  <a:gd name="connsiteX17" fmla="*/ 152560 w 1152078"/>
-                  <a:gd name="connsiteY17" fmla="*/ 915341 h 915341"/>
-                  <a:gd name="connsiteX18" fmla="*/ 0 w 1152078"/>
-                  <a:gd name="connsiteY18" fmla="*/ 762781 h 915341"/>
-                  <a:gd name="connsiteX19" fmla="*/ 0 w 1152078"/>
-                  <a:gd name="connsiteY19" fmla="*/ 152560 h 915341"/>
-                  <a:gd name="connsiteX20" fmla="*/ 152560 w 1152078"/>
-                  <a:gd name="connsiteY20" fmla="*/ 0 h 915341"/>
-                </a:gdLst>
-                <a:ahLst/>
-                <a:cxnLst>
-                  <a:cxn ang="0">
-                    <a:pos x="connsiteX0" y="connsiteY0"/>
-                  </a:cxn>
-                  <a:cxn ang="0">
-                    <a:pos x="connsiteX1" y="connsiteY1"/>
-                  </a:cxn>
-                  <a:cxn ang="0">
-                    <a:pos x="connsiteX2" y="connsiteY2"/>
-                  </a:cxn>
-                  <a:cxn ang="0">
-                    <a:pos x="connsiteX3" y="connsiteY3"/>
-                  </a:cxn>
-                  <a:cxn ang="0">
-                    <a:pos x="connsiteX4" y="connsiteY4"/>
-                  </a:cxn>
-                  <a:cxn ang="0">
-                    <a:pos x="connsiteX5" y="connsiteY5"/>
-                  </a:cxn>
-                  <a:cxn ang="0">
-                    <a:pos x="connsiteX6" y="connsiteY6"/>
-                  </a:cxn>
-                  <a:cxn ang="0">
-                    <a:pos x="connsiteX7" y="connsiteY7"/>
-                  </a:cxn>
-                  <a:cxn ang="0">
-                    <a:pos x="connsiteX8" y="connsiteY8"/>
-                  </a:cxn>
-                  <a:cxn ang="0">
-                    <a:pos x="connsiteX9" y="connsiteY9"/>
-                  </a:cxn>
-                  <a:cxn ang="0">
-                    <a:pos x="connsiteX10" y="connsiteY10"/>
-                  </a:cxn>
-                  <a:cxn ang="0">
-                    <a:pos x="connsiteX11" y="connsiteY11"/>
-                  </a:cxn>
-                  <a:cxn ang="0">
-                    <a:pos x="connsiteX12" y="connsiteY12"/>
-                  </a:cxn>
-                  <a:cxn ang="0">
-                    <a:pos x="connsiteX13" y="connsiteY13"/>
-                  </a:cxn>
-                  <a:cxn ang="0">
-                    <a:pos x="connsiteX14" y="connsiteY14"/>
-                  </a:cxn>
-                  <a:cxn ang="0">
-                    <a:pos x="connsiteX15" y="connsiteY15"/>
-                  </a:cxn>
-                  <a:cxn ang="0">
-                    <a:pos x="connsiteX16" y="connsiteY16"/>
-                  </a:cxn>
-                  <a:cxn ang="0">
-                    <a:pos x="connsiteX17" y="connsiteY17"/>
-                  </a:cxn>
-                  <a:cxn ang="0">
-                    <a:pos x="connsiteX18" y="connsiteY18"/>
-                  </a:cxn>
-                  <a:cxn ang="0">
-                    <a:pos x="connsiteX19" y="connsiteY19"/>
-                  </a:cxn>
-                  <a:cxn ang="0">
-                    <a:pos x="connsiteX20" y="connsiteY20"/>
-                  </a:cxn>
-                </a:cxnLst>
-                <a:rect l="l" t="t" r="r" b="b"/>
-                <a:pathLst>
-                  <a:path w="1152078" h="915341">
-                    <a:moveTo>
-                      <a:pt x="576039" y="230257"/>
-                    </a:moveTo>
-                    <a:cubicBezTo>
-                      <a:pt x="500288" y="230257"/>
-                      <a:pt x="438879" y="293589"/>
-                      <a:pt x="438879" y="371713"/>
-                    </a:cubicBezTo>
-                    <a:cubicBezTo>
-                      <a:pt x="438879" y="410775"/>
-                      <a:pt x="454231" y="446139"/>
-                      <a:pt x="479052" y="471738"/>
-                    </a:cubicBezTo>
-                    <a:lnTo>
-                      <a:pt x="494114" y="482211"/>
-                    </a:lnTo>
-                    <a:lnTo>
-                      <a:pt x="494114" y="686945"/>
-                    </a:lnTo>
-                    <a:cubicBezTo>
-                      <a:pt x="494114" y="702027"/>
-                      <a:pt x="506341" y="714254"/>
-                      <a:pt x="521423" y="714254"/>
-                    </a:cubicBezTo>
-                    <a:lnTo>
-                      <a:pt x="630655" y="714254"/>
-                    </a:lnTo>
-                    <a:cubicBezTo>
-                      <a:pt x="645737" y="714254"/>
-                      <a:pt x="657964" y="702027"/>
-                      <a:pt x="657964" y="686945"/>
-                    </a:cubicBezTo>
-                    <a:lnTo>
-                      <a:pt x="657964" y="482211"/>
-                    </a:lnTo>
-                    <a:lnTo>
-                      <a:pt x="673026" y="471738"/>
-                    </a:lnTo>
-                    <a:cubicBezTo>
-                      <a:pt x="697847" y="446139"/>
-                      <a:pt x="713199" y="410775"/>
-                      <a:pt x="713199" y="371713"/>
-                    </a:cubicBezTo>
-                    <a:cubicBezTo>
-                      <a:pt x="713199" y="293589"/>
-                      <a:pt x="651790" y="230257"/>
-                      <a:pt x="576039" y="230257"/>
-                    </a:cubicBezTo>
-                    <a:close/>
-                    <a:moveTo>
-                      <a:pt x="152560" y="0"/>
-                    </a:moveTo>
-                    <a:lnTo>
-                      <a:pt x="999518" y="0"/>
-                    </a:lnTo>
-                    <a:cubicBezTo>
-                      <a:pt x="1083775" y="0"/>
-                      <a:pt x="1152078" y="68303"/>
-                      <a:pt x="1152078" y="152560"/>
-                    </a:cubicBezTo>
-                    <a:lnTo>
-                      <a:pt x="1152078" y="762781"/>
-                    </a:lnTo>
-                    <a:cubicBezTo>
-                      <a:pt x="1152078" y="847038"/>
-                      <a:pt x="1083775" y="915341"/>
-                      <a:pt x="999518" y="915341"/>
-                    </a:cubicBezTo>
-                    <a:lnTo>
-                      <a:pt x="152560" y="915341"/>
-                    </a:lnTo>
-                    <a:cubicBezTo>
-                      <a:pt x="68303" y="915341"/>
-                      <a:pt x="0" y="847038"/>
-                      <a:pt x="0" y="762781"/>
-                    </a:cubicBezTo>
-                    <a:lnTo>
-                      <a:pt x="0" y="152560"/>
-                    </a:lnTo>
-                    <a:cubicBezTo>
-                      <a:pt x="0" y="68303"/>
-                      <a:pt x="68303" y="0"/>
-                      <a:pt x="152560" y="0"/>
-                    </a:cubicBezTo>
-                    <a:close/>
-                  </a:path>
-                </a:pathLst>
-              </a:custGeom>
-              <a:solidFill>
-                <a:schemeClr val="tx1"/>
-              </a:solidFill>
-              <a:ln>
-                <a:noFill/>
-              </a:ln>
-            </p:spPr>
-            <p:style>
-              <a:lnRef idx="2">
-                <a:schemeClr val="accent1">
-                  <a:shade val="50000"/>
-                </a:schemeClr>
-              </a:lnRef>
-              <a:fillRef idx="1">
-                <a:schemeClr val="accent1"/>
-              </a:fillRef>
-              <a:effectRef idx="0">
-                <a:schemeClr val="accent1"/>
-              </a:effectRef>
-              <a:fontRef idx="minor">
-                <a:schemeClr val="lt1"/>
-              </a:fontRef>
-            </p:style>
-            <p:txBody>
-              <a:bodyPr wrap="square" rtlCol="0" anchor="ctr">
-                <a:noAutofit/>
-              </a:bodyPr>
-              <a:lstStyle/>
-              <a:p>
-                <a:pPr algn="ctr"/>
-                <a:endParaRPr lang="en-US" dirty="0"/>
-              </a:p>
-            </p:txBody>
-          </p:sp>
-          <p:sp>
-            <p:nvSpPr>
-              <p:cNvPr id="24" name="Arc 23">
-                <a:extLst>
-                  <a:ext uri="{FF2B5EF4-FFF2-40B4-BE49-F238E27FC236}">
-                    <a16:creationId xmlns:a16="http://schemas.microsoft.com/office/drawing/2014/main" id="{E0066D44-E84E-454D-AB19-A76150C4C18D}"/>
-                  </a:ext>
-                </a:extLst>
-              </p:cNvPr>
-              <p:cNvSpPr/>
-              <p:nvPr/>
-            </p:nvSpPr>
-            <p:spPr>
-              <a:xfrm>
-                <a:off x="5309872" y="1856490"/>
-                <a:ext cx="636012" cy="660129"/>
-              </a:xfrm>
-              <a:prstGeom prst="arc">
-                <a:avLst>
-                  <a:gd name="adj1" fmla="val 10728299"/>
-                  <a:gd name="adj2" fmla="val 0"/>
-                </a:avLst>
-              </a:prstGeom>
-              <a:ln w="177800">
-                <a:solidFill>
-                  <a:schemeClr val="tx1"/>
-                </a:solidFill>
-              </a:ln>
-            </p:spPr>
-            <p:style>
-              <a:lnRef idx="1">
-                <a:schemeClr val="accent1"/>
-              </a:lnRef>
-              <a:fillRef idx="0">
-                <a:schemeClr val="accent1"/>
-              </a:fillRef>
-              <a:effectRef idx="0">
-                <a:schemeClr val="accent1"/>
-              </a:effectRef>
-              <a:fontRef idx="minor">
-                <a:schemeClr val="tx1"/>
-              </a:fontRef>
-            </p:style>
-            <p:txBody>
-              <a:bodyPr rtlCol="0" anchor="ctr"/>
-              <a:lstStyle/>
-              <a:p>
-                <a:pPr algn="ctr"/>
-                <a:endParaRPr lang="en-US"/>
-              </a:p>
-            </p:txBody>
-          </p:sp>
-          <p:cxnSp>
-            <p:nvCxnSpPr>
-              <p:cNvPr id="25" name="Straight Connector 24">
-                <a:extLst>
-                  <a:ext uri="{FF2B5EF4-FFF2-40B4-BE49-F238E27FC236}">
-                    <a16:creationId xmlns:a16="http://schemas.microsoft.com/office/drawing/2014/main" id="{9805F1C6-E60C-419B-ACCF-DAF8EB9694A5}"/>
-                  </a:ext>
-                </a:extLst>
-              </p:cNvPr>
-              <p:cNvCxnSpPr>
-                <a:cxnSpLocks/>
-              </p:cNvCxnSpPr>
-              <p:nvPr/>
-            </p:nvCxnSpPr>
-            <p:spPr>
-              <a:xfrm flipH="1">
-                <a:off x="5309843" y="2186273"/>
-                <a:ext cx="21" cy="317461"/>
-              </a:xfrm>
-              <a:prstGeom prst="line">
-                <a:avLst/>
-              </a:prstGeom>
-              <a:ln w="177800"/>
-            </p:spPr>
-            <p:style>
-              <a:lnRef idx="1">
-                <a:schemeClr val="dk1"/>
-              </a:lnRef>
-              <a:fillRef idx="0">
-                <a:schemeClr val="dk1"/>
-              </a:fillRef>
-              <a:effectRef idx="0">
-                <a:schemeClr val="dk1"/>
-              </a:effectRef>
-              <a:fontRef idx="minor">
-                <a:schemeClr val="tx1"/>
-              </a:fontRef>
-            </p:style>
-          </p:cxnSp>
-          <p:cxnSp>
-            <p:nvCxnSpPr>
-              <p:cNvPr id="28" name="Straight Connector 27">
-                <a:extLst>
-                  <a:ext uri="{FF2B5EF4-FFF2-40B4-BE49-F238E27FC236}">
-                    <a16:creationId xmlns:a16="http://schemas.microsoft.com/office/drawing/2014/main" id="{11CB1A72-5ECE-4CC1-8BD3-3D6FF012BD52}"/>
-                  </a:ext>
-                </a:extLst>
-              </p:cNvPr>
-              <p:cNvCxnSpPr>
-                <a:cxnSpLocks/>
-              </p:cNvCxnSpPr>
-              <p:nvPr/>
-            </p:nvCxnSpPr>
-            <p:spPr>
-              <a:xfrm flipH="1">
-                <a:off x="5945884" y="2175017"/>
-                <a:ext cx="21" cy="317461"/>
-              </a:xfrm>
-              <a:prstGeom prst="line">
-                <a:avLst/>
-              </a:prstGeom>
-              <a:ln w="177800"/>
-            </p:spPr>
-            <p:style>
-              <a:lnRef idx="1">
-                <a:schemeClr val="dk1"/>
-              </a:lnRef>
-              <a:fillRef idx="0">
-                <a:schemeClr val="dk1"/>
-              </a:fillRef>
-              <a:effectRef idx="0">
-                <a:schemeClr val="dk1"/>
-              </a:effectRef>
-              <a:fontRef idx="minor">
-                <a:schemeClr val="tx1"/>
-              </a:fontRef>
-            </p:style>
-          </p:cxnSp>
-        </p:grpSp>
-        <p:sp>
-          <p:nvSpPr>
-            <p:cNvPr id="64" name="Hexagon 63">
-              <a:extLst>
-                <a:ext uri="{FF2B5EF4-FFF2-40B4-BE49-F238E27FC236}">
-                  <a16:creationId xmlns:a16="http://schemas.microsoft.com/office/drawing/2014/main" id="{C76633D1-7FAC-42FE-B920-3A53963C35BC}"/>
-                </a:ext>
-              </a:extLst>
-            </p:cNvPr>
-            <p:cNvSpPr>
-              <a:spLocks noChangeAspect="1"/>
-            </p:cNvSpPr>
-            <p:nvPr/>
-          </p:nvSpPr>
-          <p:spPr>
-            <a:xfrm rot="5400000">
-              <a:off x="4303842" y="1064269"/>
-              <a:ext cx="3236327" cy="3236327"/>
-            </a:xfrm>
-            <a:prstGeom prst="hexagon">
-              <a:avLst/>
-            </a:prstGeom>
-            <a:noFill/>
-            <a:ln w="38100">
-              <a:solidFill>
-                <a:schemeClr val="tx1"/>
-              </a:solidFill>
-            </a:ln>
-          </p:spPr>
-          <p:style>
-            <a:lnRef idx="2">
-              <a:schemeClr val="accent1">
-                <a:shade val="50000"/>
-              </a:schemeClr>
-            </a:lnRef>
-            <a:fillRef idx="1">
-              <a:schemeClr val="accent1"/>
-            </a:fillRef>
-            <a:effectRef idx="0">
-              <a:schemeClr val="accent1"/>
-            </a:effectRef>
-            <a:fontRef idx="minor">
-              <a:schemeClr val="lt1"/>
-            </a:fontRef>
-          </p:style>
           <p:txBody>
             <a:bodyPr rtlCol="0" anchor="ctr"/>
             <a:lstStyle/>
@@ -3938,30 +3657,350 @@
         </p:sp>
         <p:cxnSp>
           <p:nvCxnSpPr>
-            <p:cNvPr id="65" name="Straight Connector 64">
+            <p:cNvPr id="25" name="Straight Connector 24">
               <a:extLst>
                 <a:ext uri="{FF2B5EF4-FFF2-40B4-BE49-F238E27FC236}">
-                  <a16:creationId xmlns:a16="http://schemas.microsoft.com/office/drawing/2014/main" id="{E50B6A9B-D339-46DE-8364-F30F48F816C4}"/>
+                  <a16:creationId xmlns:a16="http://schemas.microsoft.com/office/drawing/2014/main" id="{9805F1C6-E60C-419B-ACCF-DAF8EB9694A5}"/>
                 </a:ext>
               </a:extLst>
             </p:cNvPr>
             <p:cNvCxnSpPr>
               <a:cxnSpLocks/>
-              <a:stCxn id="64" idx="2"/>
-              <a:endCxn id="64" idx="4"/>
+            </p:cNvCxnSpPr>
+            <p:nvPr/>
+          </p:nvCxnSpPr>
+          <p:spPr>
+            <a:xfrm flipH="1">
+              <a:off x="5309843" y="2186273"/>
+              <a:ext cx="21" cy="317461"/>
+            </a:xfrm>
+            <a:prstGeom prst="line">
+              <a:avLst/>
+            </a:prstGeom>
+            <a:ln w="177800"/>
+          </p:spPr>
+          <p:style>
+            <a:lnRef idx="1">
+              <a:schemeClr val="dk1"/>
+            </a:lnRef>
+            <a:fillRef idx="0">
+              <a:schemeClr val="dk1"/>
+            </a:fillRef>
+            <a:effectRef idx="0">
+              <a:schemeClr val="dk1"/>
+            </a:effectRef>
+            <a:fontRef idx="minor">
+              <a:schemeClr val="tx1"/>
+            </a:fontRef>
+          </p:style>
+        </p:cxnSp>
+        <p:cxnSp>
+          <p:nvCxnSpPr>
+            <p:cNvPr id="28" name="Straight Connector 27">
+              <a:extLst>
+                <a:ext uri="{FF2B5EF4-FFF2-40B4-BE49-F238E27FC236}">
+                  <a16:creationId xmlns:a16="http://schemas.microsoft.com/office/drawing/2014/main" id="{11CB1A72-5ECE-4CC1-8BD3-3D6FF012BD52}"/>
+                </a:ext>
+              </a:extLst>
+            </p:cNvPr>
+            <p:cNvCxnSpPr>
+              <a:cxnSpLocks/>
+            </p:cNvCxnSpPr>
+            <p:nvPr/>
+          </p:nvCxnSpPr>
+          <p:spPr>
+            <a:xfrm flipH="1">
+              <a:off x="5945884" y="2175017"/>
+              <a:ext cx="21" cy="317461"/>
+            </a:xfrm>
+            <a:prstGeom prst="line">
+              <a:avLst/>
+            </a:prstGeom>
+            <a:ln w="177800"/>
+          </p:spPr>
+          <p:style>
+            <a:lnRef idx="1">
+              <a:schemeClr val="dk1"/>
+            </a:lnRef>
+            <a:fillRef idx="0">
+              <a:schemeClr val="dk1"/>
+            </a:fillRef>
+            <a:effectRef idx="0">
+              <a:schemeClr val="dk1"/>
+            </a:effectRef>
+            <a:fontRef idx="minor">
+              <a:schemeClr val="tx1"/>
+            </a:fontRef>
+          </p:style>
+        </p:cxnSp>
+      </p:grpSp>
+      <p:sp>
+        <p:nvSpPr>
+          <p:cNvPr id="64" name="Hexagon 63">
+            <a:extLst>
+              <a:ext uri="{FF2B5EF4-FFF2-40B4-BE49-F238E27FC236}">
+                <a16:creationId xmlns:a16="http://schemas.microsoft.com/office/drawing/2014/main" id="{C76633D1-7FAC-42FE-B920-3A53963C35BC}"/>
+              </a:ext>
+            </a:extLst>
+          </p:cNvPr>
+          <p:cNvSpPr>
+            <a:spLocks noChangeAspect="1"/>
+          </p:cNvSpPr>
+          <p:nvPr/>
+        </p:nvSpPr>
+        <p:spPr>
+          <a:xfrm rot="5400000">
+            <a:off x="4417612" y="96693"/>
+            <a:ext cx="3236327" cy="3236327"/>
+          </a:xfrm>
+          <a:prstGeom prst="hexagon">
+            <a:avLst/>
+          </a:prstGeom>
+          <a:noFill/>
+          <a:ln w="38100">
+            <a:solidFill>
+              <a:schemeClr val="tx1"/>
+            </a:solidFill>
+          </a:ln>
+        </p:spPr>
+        <p:style>
+          <a:lnRef idx="2">
+            <a:schemeClr val="accent1">
+              <a:shade val="50000"/>
+            </a:schemeClr>
+          </a:lnRef>
+          <a:fillRef idx="1">
+            <a:schemeClr val="accent1"/>
+          </a:fillRef>
+          <a:effectRef idx="0">
+            <a:schemeClr val="accent1"/>
+          </a:effectRef>
+          <a:fontRef idx="minor">
+            <a:schemeClr val="lt1"/>
+          </a:fontRef>
+        </p:style>
+        <p:txBody>
+          <a:bodyPr rtlCol="0" anchor="ctr"/>
+          <a:lstStyle/>
+          <a:p>
+            <a:pPr algn="ctr"/>
+            <a:endParaRPr lang="en-US"/>
+          </a:p>
+        </p:txBody>
+      </p:sp>
+      <p:cxnSp>
+        <p:nvCxnSpPr>
+          <p:cNvPr id="65" name="Straight Connector 64">
+            <a:extLst>
+              <a:ext uri="{FF2B5EF4-FFF2-40B4-BE49-F238E27FC236}">
+                <a16:creationId xmlns:a16="http://schemas.microsoft.com/office/drawing/2014/main" id="{E50B6A9B-D339-46DE-8364-F30F48F816C4}"/>
+              </a:ext>
+            </a:extLst>
+          </p:cNvPr>
+          <p:cNvCxnSpPr>
+            <a:cxnSpLocks/>
+            <a:stCxn id="64" idx="2"/>
+            <a:endCxn id="64" idx="4"/>
+          </p:cNvCxnSpPr>
+          <p:nvPr/>
+        </p:nvCxnSpPr>
+        <p:spPr>
+          <a:xfrm>
+            <a:off x="4417613" y="905775"/>
+            <a:ext cx="3236325" cy="0"/>
+          </a:xfrm>
+          <a:prstGeom prst="line">
+            <a:avLst/>
+          </a:prstGeom>
+          <a:ln w="76200">
+            <a:noFill/>
+          </a:ln>
+        </p:spPr>
+        <p:style>
+          <a:lnRef idx="1">
+            <a:schemeClr val="accent1"/>
+          </a:lnRef>
+          <a:fillRef idx="0">
+            <a:schemeClr val="accent1"/>
+          </a:fillRef>
+          <a:effectRef idx="0">
+            <a:schemeClr val="accent1"/>
+          </a:effectRef>
+          <a:fontRef idx="minor">
+            <a:schemeClr val="tx1"/>
+          </a:fontRef>
+        </p:style>
+      </p:cxnSp>
+      <p:cxnSp>
+        <p:nvCxnSpPr>
+          <p:cNvPr id="66" name="Straight Connector 65">
+            <a:extLst>
+              <a:ext uri="{FF2B5EF4-FFF2-40B4-BE49-F238E27FC236}">
+                <a16:creationId xmlns:a16="http://schemas.microsoft.com/office/drawing/2014/main" id="{87F57558-0652-4A77-A205-2C6A30348094}"/>
+              </a:ext>
+            </a:extLst>
+          </p:cNvPr>
+          <p:cNvCxnSpPr>
+            <a:cxnSpLocks/>
+            <a:stCxn id="64" idx="1"/>
+            <a:endCxn id="64" idx="5"/>
+          </p:cNvCxnSpPr>
+          <p:nvPr/>
+        </p:nvCxnSpPr>
+        <p:spPr>
+          <a:xfrm>
+            <a:off x="4417613" y="2523938"/>
+            <a:ext cx="3236325" cy="0"/>
+          </a:xfrm>
+          <a:prstGeom prst="line">
+            <a:avLst/>
+          </a:prstGeom>
+          <a:ln w="76200">
+            <a:noFill/>
+          </a:ln>
+        </p:spPr>
+        <p:style>
+          <a:lnRef idx="1">
+            <a:schemeClr val="accent1"/>
+          </a:lnRef>
+          <a:fillRef idx="0">
+            <a:schemeClr val="accent1"/>
+          </a:fillRef>
+          <a:effectRef idx="0">
+            <a:schemeClr val="accent1"/>
+          </a:effectRef>
+          <a:fontRef idx="minor">
+            <a:schemeClr val="tx1"/>
+          </a:fontRef>
+        </p:style>
+      </p:cxnSp>
+      <p:grpSp>
+        <p:nvGrpSpPr>
+          <p:cNvPr id="32" name="Group 31">
+            <a:extLst>
+              <a:ext uri="{FF2B5EF4-FFF2-40B4-BE49-F238E27FC236}">
+                <a16:creationId xmlns:a16="http://schemas.microsoft.com/office/drawing/2014/main" id="{51E2E25D-C41B-4A69-BA85-9FC17A0A2440}"/>
+              </a:ext>
+            </a:extLst>
+          </p:cNvPr>
+          <p:cNvGrpSpPr>
+            <a:grpSpLocks noChangeAspect="1"/>
+          </p:cNvGrpSpPr>
+          <p:nvPr/>
+        </p:nvGrpSpPr>
+        <p:grpSpPr>
+          <a:xfrm>
+            <a:off x="1501082" y="998384"/>
+            <a:ext cx="1190939" cy="1463040"/>
+            <a:chOff x="2692849" y="2237357"/>
+            <a:chExt cx="1280175" cy="1415380"/>
+          </a:xfrm>
+        </p:grpSpPr>
+        <p:cxnSp>
+          <p:nvCxnSpPr>
+            <p:cNvPr id="6" name="Straight Connector 5">
+              <a:extLst>
+                <a:ext uri="{FF2B5EF4-FFF2-40B4-BE49-F238E27FC236}">
+                  <a16:creationId xmlns:a16="http://schemas.microsoft.com/office/drawing/2014/main" id="{9CCBEE4B-BCB3-48EA-BF62-E5238167A3B0}"/>
+                </a:ext>
+              </a:extLst>
+            </p:cNvPr>
+            <p:cNvCxnSpPr>
+              <a:cxnSpLocks/>
             </p:cNvCxnSpPr>
             <p:nvPr/>
           </p:nvCxnSpPr>
           <p:spPr>
             <a:xfrm>
-              <a:off x="4303843" y="1873351"/>
-              <a:ext cx="3236325" cy="0"/>
+              <a:off x="2692864" y="2484644"/>
+              <a:ext cx="0" cy="958371"/>
             </a:xfrm>
             <a:prstGeom prst="line">
               <a:avLst/>
             </a:prstGeom>
-            <a:ln w="76200">
-              <a:noFill/>
+            <a:ln w="57150"/>
+          </p:spPr>
+          <p:style>
+            <a:lnRef idx="1">
+              <a:schemeClr val="dk1"/>
+            </a:lnRef>
+            <a:fillRef idx="0">
+              <a:schemeClr val="dk1"/>
+            </a:fillRef>
+            <a:effectRef idx="0">
+              <a:schemeClr val="dk1"/>
+            </a:effectRef>
+            <a:fontRef idx="minor">
+              <a:schemeClr val="tx1"/>
+            </a:fontRef>
+          </p:style>
+        </p:cxnSp>
+        <p:cxnSp>
+          <p:nvCxnSpPr>
+            <p:cNvPr id="7" name="Straight Connector 6">
+              <a:extLst>
+                <a:ext uri="{FF2B5EF4-FFF2-40B4-BE49-F238E27FC236}">
+                  <a16:creationId xmlns:a16="http://schemas.microsoft.com/office/drawing/2014/main" id="{8AD5714C-CB9B-4607-8783-379E6C65D767}"/>
+                </a:ext>
+              </a:extLst>
+            </p:cNvPr>
+            <p:cNvCxnSpPr>
+              <a:cxnSpLocks/>
+            </p:cNvCxnSpPr>
+            <p:nvPr/>
+          </p:nvCxnSpPr>
+          <p:spPr>
+            <a:xfrm>
+              <a:off x="3973024" y="2484644"/>
+              <a:ext cx="0" cy="958371"/>
+            </a:xfrm>
+            <a:prstGeom prst="line">
+              <a:avLst/>
+            </a:prstGeom>
+            <a:ln w="57150"/>
+          </p:spPr>
+          <p:style>
+            <a:lnRef idx="1">
+              <a:schemeClr val="dk1"/>
+            </a:lnRef>
+            <a:fillRef idx="0">
+              <a:schemeClr val="dk1"/>
+            </a:fillRef>
+            <a:effectRef idx="0">
+              <a:schemeClr val="dk1"/>
+            </a:effectRef>
+            <a:fontRef idx="minor">
+              <a:schemeClr val="tx1"/>
+            </a:fontRef>
+          </p:style>
+        </p:cxnSp>
+        <p:sp>
+          <p:nvSpPr>
+            <p:cNvPr id="18" name="Arc 17">
+              <a:extLst>
+                <a:ext uri="{FF2B5EF4-FFF2-40B4-BE49-F238E27FC236}">
+                  <a16:creationId xmlns:a16="http://schemas.microsoft.com/office/drawing/2014/main" id="{C48B6E94-54EE-4E6E-AB3A-99703E31569B}"/>
+                </a:ext>
+              </a:extLst>
+            </p:cNvPr>
+            <p:cNvSpPr/>
+            <p:nvPr/>
+          </p:nvSpPr>
+          <p:spPr>
+            <a:xfrm>
+              <a:off x="2692864" y="2257676"/>
+              <a:ext cx="1280160" cy="457200"/>
+            </a:xfrm>
+            <a:prstGeom prst="arc">
+              <a:avLst>
+                <a:gd name="adj1" fmla="val 10805306"/>
+                <a:gd name="adj2" fmla="val 0"/>
+              </a:avLst>
+            </a:prstGeom>
+            <a:ln w="57150">
+              <a:solidFill>
+                <a:schemeClr val="tx1"/>
+              </a:solidFill>
             </a:ln>
           </p:spPr>
           <p:style>
@@ -3978,33 +4017,42 @@
               <a:schemeClr val="tx1"/>
             </a:fontRef>
           </p:style>
-        </p:cxnSp>
-        <p:cxnSp>
-          <p:nvCxnSpPr>
-            <p:cNvPr id="66" name="Straight Connector 65">
+          <p:txBody>
+            <a:bodyPr rtlCol="0" anchor="ctr"/>
+            <a:lstStyle/>
+            <a:p>
+              <a:pPr algn="ctr"/>
+              <a:endParaRPr lang="en-US"/>
+            </a:p>
+          </p:txBody>
+        </p:sp>
+        <p:sp>
+          <p:nvSpPr>
+            <p:cNvPr id="19" name="Arc 18">
               <a:extLst>
                 <a:ext uri="{FF2B5EF4-FFF2-40B4-BE49-F238E27FC236}">
-                  <a16:creationId xmlns:a16="http://schemas.microsoft.com/office/drawing/2014/main" id="{87F57558-0652-4A77-A205-2C6A30348094}"/>
+                  <a16:creationId xmlns:a16="http://schemas.microsoft.com/office/drawing/2014/main" id="{ACE5486B-CA01-4A36-B05F-1A2D2D526233}"/>
                 </a:ext>
               </a:extLst>
             </p:cNvPr>
-            <p:cNvCxnSpPr>
-              <a:cxnSpLocks/>
-              <a:stCxn id="64" idx="1"/>
-              <a:endCxn id="64" idx="5"/>
-            </p:cNvCxnSpPr>
+            <p:cNvSpPr/>
             <p:nvPr/>
-          </p:nvCxnSpPr>
+          </p:nvSpPr>
           <p:spPr>
-            <a:xfrm>
-              <a:off x="4303843" y="3491514"/>
-              <a:ext cx="3236325" cy="0"/>
+            <a:xfrm rot="10800000">
+              <a:off x="2692857" y="3195537"/>
+              <a:ext cx="1280160" cy="457200"/>
             </a:xfrm>
-            <a:prstGeom prst="line">
-              <a:avLst/>
+            <a:prstGeom prst="arc">
+              <a:avLst>
+                <a:gd name="adj1" fmla="val 10717388"/>
+                <a:gd name="adj2" fmla="val 0"/>
+              </a:avLst>
             </a:prstGeom>
-            <a:ln w="76200">
-              <a:noFill/>
+            <a:ln w="57150">
+              <a:solidFill>
+                <a:schemeClr val="tx1"/>
+              </a:solidFill>
             </a:ln>
           </p:spPr>
           <p:style>
@@ -4021,434 +4069,6 @@
               <a:schemeClr val="tx1"/>
             </a:fontRef>
           </p:style>
-        </p:cxnSp>
-      </p:grpSp>
-      <p:grpSp>
-        <p:nvGrpSpPr>
-          <p:cNvPr id="78" name="Group 77">
-            <a:extLst>
-              <a:ext uri="{FF2B5EF4-FFF2-40B4-BE49-F238E27FC236}">
-                <a16:creationId xmlns:a16="http://schemas.microsoft.com/office/drawing/2014/main" id="{5B9E5BEC-3855-4F47-9680-D792D12CB3EE}"/>
-              </a:ext>
-            </a:extLst>
-          </p:cNvPr>
-          <p:cNvGrpSpPr/>
-          <p:nvPr/>
-        </p:nvGrpSpPr>
-        <p:grpSpPr>
-          <a:xfrm>
-            <a:off x="364619" y="1064269"/>
-            <a:ext cx="3236327" cy="3236327"/>
-            <a:chOff x="364619" y="1064269"/>
-            <a:chExt cx="3236327" cy="3236327"/>
-          </a:xfrm>
-        </p:grpSpPr>
-        <p:grpSp>
-          <p:nvGrpSpPr>
-            <p:cNvPr id="32" name="Group 31">
-              <a:extLst>
-                <a:ext uri="{FF2B5EF4-FFF2-40B4-BE49-F238E27FC236}">
-                  <a16:creationId xmlns:a16="http://schemas.microsoft.com/office/drawing/2014/main" id="{51E2E25D-C41B-4A69-BA85-9FC17A0A2440}"/>
-                </a:ext>
-              </a:extLst>
-            </p:cNvPr>
-            <p:cNvGrpSpPr>
-              <a:grpSpLocks noChangeAspect="1"/>
-            </p:cNvGrpSpPr>
-            <p:nvPr/>
-          </p:nvGrpSpPr>
-          <p:grpSpPr>
-            <a:xfrm>
-              <a:off x="1387312" y="1965960"/>
-              <a:ext cx="1190939" cy="1463040"/>
-              <a:chOff x="2692849" y="2237357"/>
-              <a:chExt cx="1280175" cy="1415380"/>
-            </a:xfrm>
-          </p:grpSpPr>
-          <p:cxnSp>
-            <p:nvCxnSpPr>
-              <p:cNvPr id="6" name="Straight Connector 5">
-                <a:extLst>
-                  <a:ext uri="{FF2B5EF4-FFF2-40B4-BE49-F238E27FC236}">
-                    <a16:creationId xmlns:a16="http://schemas.microsoft.com/office/drawing/2014/main" id="{9CCBEE4B-BCB3-48EA-BF62-E5238167A3B0}"/>
-                  </a:ext>
-                </a:extLst>
-              </p:cNvPr>
-              <p:cNvCxnSpPr>
-                <a:cxnSpLocks/>
-              </p:cNvCxnSpPr>
-              <p:nvPr/>
-            </p:nvCxnSpPr>
-            <p:spPr>
-              <a:xfrm>
-                <a:off x="2692864" y="2484644"/>
-                <a:ext cx="0" cy="958371"/>
-              </a:xfrm>
-              <a:prstGeom prst="line">
-                <a:avLst/>
-              </a:prstGeom>
-              <a:ln w="57150"/>
-            </p:spPr>
-            <p:style>
-              <a:lnRef idx="1">
-                <a:schemeClr val="dk1"/>
-              </a:lnRef>
-              <a:fillRef idx="0">
-                <a:schemeClr val="dk1"/>
-              </a:fillRef>
-              <a:effectRef idx="0">
-                <a:schemeClr val="dk1"/>
-              </a:effectRef>
-              <a:fontRef idx="minor">
-                <a:schemeClr val="tx1"/>
-              </a:fontRef>
-            </p:style>
-          </p:cxnSp>
-          <p:cxnSp>
-            <p:nvCxnSpPr>
-              <p:cNvPr id="7" name="Straight Connector 6">
-                <a:extLst>
-                  <a:ext uri="{FF2B5EF4-FFF2-40B4-BE49-F238E27FC236}">
-                    <a16:creationId xmlns:a16="http://schemas.microsoft.com/office/drawing/2014/main" id="{8AD5714C-CB9B-4607-8783-379E6C65D767}"/>
-                  </a:ext>
-                </a:extLst>
-              </p:cNvPr>
-              <p:cNvCxnSpPr>
-                <a:cxnSpLocks/>
-              </p:cNvCxnSpPr>
-              <p:nvPr/>
-            </p:nvCxnSpPr>
-            <p:spPr>
-              <a:xfrm>
-                <a:off x="3973024" y="2484644"/>
-                <a:ext cx="0" cy="958371"/>
-              </a:xfrm>
-              <a:prstGeom prst="line">
-                <a:avLst/>
-              </a:prstGeom>
-              <a:ln w="57150"/>
-            </p:spPr>
-            <p:style>
-              <a:lnRef idx="1">
-                <a:schemeClr val="dk1"/>
-              </a:lnRef>
-              <a:fillRef idx="0">
-                <a:schemeClr val="dk1"/>
-              </a:fillRef>
-              <a:effectRef idx="0">
-                <a:schemeClr val="dk1"/>
-              </a:effectRef>
-              <a:fontRef idx="minor">
-                <a:schemeClr val="tx1"/>
-              </a:fontRef>
-            </p:style>
-          </p:cxnSp>
-          <p:sp>
-            <p:nvSpPr>
-              <p:cNvPr id="18" name="Arc 17">
-                <a:extLst>
-                  <a:ext uri="{FF2B5EF4-FFF2-40B4-BE49-F238E27FC236}">
-                    <a16:creationId xmlns:a16="http://schemas.microsoft.com/office/drawing/2014/main" id="{C48B6E94-54EE-4E6E-AB3A-99703E31569B}"/>
-                  </a:ext>
-                </a:extLst>
-              </p:cNvPr>
-              <p:cNvSpPr/>
-              <p:nvPr/>
-            </p:nvSpPr>
-            <p:spPr>
-              <a:xfrm>
-                <a:off x="2692864" y="2257676"/>
-                <a:ext cx="1280160" cy="457200"/>
-              </a:xfrm>
-              <a:prstGeom prst="arc">
-                <a:avLst>
-                  <a:gd name="adj1" fmla="val 10805306"/>
-                  <a:gd name="adj2" fmla="val 0"/>
-                </a:avLst>
-              </a:prstGeom>
-              <a:ln w="57150">
-                <a:solidFill>
-                  <a:schemeClr val="tx1"/>
-                </a:solidFill>
-              </a:ln>
-            </p:spPr>
-            <p:style>
-              <a:lnRef idx="1">
-                <a:schemeClr val="accent1"/>
-              </a:lnRef>
-              <a:fillRef idx="0">
-                <a:schemeClr val="accent1"/>
-              </a:fillRef>
-              <a:effectRef idx="0">
-                <a:schemeClr val="accent1"/>
-              </a:effectRef>
-              <a:fontRef idx="minor">
-                <a:schemeClr val="tx1"/>
-              </a:fontRef>
-            </p:style>
-            <p:txBody>
-              <a:bodyPr rtlCol="0" anchor="ctr"/>
-              <a:lstStyle/>
-              <a:p>
-                <a:pPr algn="ctr"/>
-                <a:endParaRPr lang="en-US"/>
-              </a:p>
-            </p:txBody>
-          </p:sp>
-          <p:sp>
-            <p:nvSpPr>
-              <p:cNvPr id="19" name="Arc 18">
-                <a:extLst>
-                  <a:ext uri="{FF2B5EF4-FFF2-40B4-BE49-F238E27FC236}">
-                    <a16:creationId xmlns:a16="http://schemas.microsoft.com/office/drawing/2014/main" id="{ACE5486B-CA01-4A36-B05F-1A2D2D526233}"/>
-                  </a:ext>
-                </a:extLst>
-              </p:cNvPr>
-              <p:cNvSpPr/>
-              <p:nvPr/>
-            </p:nvSpPr>
-            <p:spPr>
-              <a:xfrm rot="10800000">
-                <a:off x="2692857" y="3195537"/>
-                <a:ext cx="1280160" cy="457200"/>
-              </a:xfrm>
-              <a:prstGeom prst="arc">
-                <a:avLst>
-                  <a:gd name="adj1" fmla="val 10717388"/>
-                  <a:gd name="adj2" fmla="val 0"/>
-                </a:avLst>
-              </a:prstGeom>
-              <a:ln w="57150">
-                <a:solidFill>
-                  <a:schemeClr val="tx1"/>
-                </a:solidFill>
-              </a:ln>
-            </p:spPr>
-            <p:style>
-              <a:lnRef idx="1">
-                <a:schemeClr val="accent1"/>
-              </a:lnRef>
-              <a:fillRef idx="0">
-                <a:schemeClr val="accent1"/>
-              </a:fillRef>
-              <a:effectRef idx="0">
-                <a:schemeClr val="accent1"/>
-              </a:effectRef>
-              <a:fontRef idx="minor">
-                <a:schemeClr val="tx1"/>
-              </a:fontRef>
-            </p:style>
-            <p:txBody>
-              <a:bodyPr rtlCol="0" anchor="ctr"/>
-              <a:lstStyle/>
-              <a:p>
-                <a:pPr algn="ctr"/>
-                <a:endParaRPr lang="en-US"/>
-              </a:p>
-            </p:txBody>
-          </p:sp>
-          <p:sp>
-            <p:nvSpPr>
-              <p:cNvPr id="20" name="Arc 19">
-                <a:extLst>
-                  <a:ext uri="{FF2B5EF4-FFF2-40B4-BE49-F238E27FC236}">
-                    <a16:creationId xmlns:a16="http://schemas.microsoft.com/office/drawing/2014/main" id="{DD9F3874-1923-4AD0-97C1-E980789E6646}"/>
-                  </a:ext>
-                </a:extLst>
-              </p:cNvPr>
-              <p:cNvSpPr/>
-              <p:nvPr/>
-            </p:nvSpPr>
-            <p:spPr>
-              <a:xfrm rot="10800000">
-                <a:off x="2692857" y="2237357"/>
-                <a:ext cx="1280160" cy="457200"/>
-              </a:xfrm>
-              <a:prstGeom prst="arc">
-                <a:avLst>
-                  <a:gd name="adj1" fmla="val 12507487"/>
-                  <a:gd name="adj2" fmla="val 0"/>
-                </a:avLst>
-              </a:prstGeom>
-              <a:ln w="57150" cap="rnd">
-                <a:solidFill>
-                  <a:schemeClr val="tx1"/>
-                </a:solidFill>
-              </a:ln>
-            </p:spPr>
-            <p:style>
-              <a:lnRef idx="1">
-                <a:schemeClr val="accent1"/>
-              </a:lnRef>
-              <a:fillRef idx="0">
-                <a:schemeClr val="accent1"/>
-              </a:fillRef>
-              <a:effectRef idx="0">
-                <a:schemeClr val="accent1"/>
-              </a:effectRef>
-              <a:fontRef idx="minor">
-                <a:schemeClr val="tx1"/>
-              </a:fontRef>
-            </p:style>
-            <p:txBody>
-              <a:bodyPr rtlCol="0" anchor="ctr"/>
-              <a:lstStyle/>
-              <a:p>
-                <a:pPr algn="ctr"/>
-                <a:endParaRPr lang="en-US" dirty="0"/>
-              </a:p>
-            </p:txBody>
-          </p:sp>
-          <p:sp>
-            <p:nvSpPr>
-              <p:cNvPr id="21" name="Arc 20">
-                <a:extLst>
-                  <a:ext uri="{FF2B5EF4-FFF2-40B4-BE49-F238E27FC236}">
-                    <a16:creationId xmlns:a16="http://schemas.microsoft.com/office/drawing/2014/main" id="{AB19DB6B-436A-490E-BD7F-B8EBB17D8C00}"/>
-                  </a:ext>
-                </a:extLst>
-              </p:cNvPr>
-              <p:cNvSpPr/>
-              <p:nvPr/>
-            </p:nvSpPr>
-            <p:spPr>
-              <a:xfrm rot="10800000">
-                <a:off x="2692857" y="2589698"/>
-                <a:ext cx="1280160" cy="457200"/>
-              </a:xfrm>
-              <a:prstGeom prst="arc">
-                <a:avLst>
-                  <a:gd name="adj1" fmla="val 10924143"/>
-                  <a:gd name="adj2" fmla="val 0"/>
-                </a:avLst>
-              </a:prstGeom>
-              <a:ln w="57150">
-                <a:solidFill>
-                  <a:schemeClr val="tx1"/>
-                </a:solidFill>
-              </a:ln>
-            </p:spPr>
-            <p:style>
-              <a:lnRef idx="1">
-                <a:schemeClr val="accent1"/>
-              </a:lnRef>
-              <a:fillRef idx="0">
-                <a:schemeClr val="accent1"/>
-              </a:fillRef>
-              <a:effectRef idx="0">
-                <a:schemeClr val="accent1"/>
-              </a:effectRef>
-              <a:fontRef idx="minor">
-                <a:schemeClr val="tx1"/>
-              </a:fontRef>
-            </p:style>
-            <p:txBody>
-              <a:bodyPr rtlCol="0" anchor="ctr"/>
-              <a:lstStyle/>
-              <a:p>
-                <a:pPr algn="ctr"/>
-                <a:endParaRPr lang="en-US"/>
-              </a:p>
-            </p:txBody>
-          </p:sp>
-          <p:sp>
-            <p:nvSpPr>
-              <p:cNvPr id="22" name="Arc 21">
-                <a:extLst>
-                  <a:ext uri="{FF2B5EF4-FFF2-40B4-BE49-F238E27FC236}">
-                    <a16:creationId xmlns:a16="http://schemas.microsoft.com/office/drawing/2014/main" id="{08F063B8-027A-4B92-A821-5D6F612FD8B0}"/>
-                  </a:ext>
-                </a:extLst>
-              </p:cNvPr>
-              <p:cNvSpPr/>
-              <p:nvPr/>
-            </p:nvSpPr>
-            <p:spPr>
-              <a:xfrm rot="10800000">
-                <a:off x="2692849" y="2878184"/>
-                <a:ext cx="1280160" cy="457200"/>
-              </a:xfrm>
-              <a:prstGeom prst="arc">
-                <a:avLst>
-                  <a:gd name="adj1" fmla="val 10924143"/>
-                  <a:gd name="adj2" fmla="val 20064838"/>
-                </a:avLst>
-              </a:prstGeom>
-              <a:ln w="57150" cap="rnd">
-                <a:solidFill>
-                  <a:schemeClr val="tx1"/>
-                </a:solidFill>
-              </a:ln>
-            </p:spPr>
-            <p:style>
-              <a:lnRef idx="1">
-                <a:schemeClr val="accent1"/>
-              </a:lnRef>
-              <a:fillRef idx="0">
-                <a:schemeClr val="accent1"/>
-              </a:fillRef>
-              <a:effectRef idx="0">
-                <a:schemeClr val="accent1"/>
-              </a:effectRef>
-              <a:fontRef idx="minor">
-                <a:schemeClr val="tx1"/>
-              </a:fontRef>
-            </p:style>
-            <p:txBody>
-              <a:bodyPr rtlCol="0" anchor="ctr"/>
-              <a:lstStyle/>
-              <a:p>
-                <a:pPr algn="ctr"/>
-                <a:endParaRPr lang="en-US"/>
-              </a:p>
-            </p:txBody>
-          </p:sp>
-        </p:grpSp>
-        <p:sp>
-          <p:nvSpPr>
-            <p:cNvPr id="67" name="Hexagon 66">
-              <a:extLst>
-                <a:ext uri="{FF2B5EF4-FFF2-40B4-BE49-F238E27FC236}">
-                  <a16:creationId xmlns:a16="http://schemas.microsoft.com/office/drawing/2014/main" id="{19E722D1-7113-4FCE-9845-D921269887D4}"/>
-                </a:ext>
-              </a:extLst>
-            </p:cNvPr>
-            <p:cNvSpPr>
-              <a:spLocks noChangeAspect="1"/>
-            </p:cNvSpPr>
-            <p:nvPr/>
-          </p:nvSpPr>
-          <p:spPr>
-            <a:xfrm rot="5400000">
-              <a:off x="364619" y="1064269"/>
-              <a:ext cx="3236327" cy="3236327"/>
-            </a:xfrm>
-            <a:prstGeom prst="hexagon">
-              <a:avLst/>
-            </a:prstGeom>
-            <a:noFill/>
-            <a:ln w="38100">
-              <a:solidFill>
-                <a:schemeClr val="tx1"/>
-              </a:solidFill>
-            </a:ln>
-          </p:spPr>
-          <p:style>
-            <a:lnRef idx="2">
-              <a:schemeClr val="accent1">
-                <a:shade val="50000"/>
-              </a:schemeClr>
-            </a:lnRef>
-            <a:fillRef idx="1">
-              <a:schemeClr val="accent1"/>
-            </a:fillRef>
-            <a:effectRef idx="0">
-              <a:schemeClr val="accent1"/>
-            </a:effectRef>
-            <a:fontRef idx="minor">
-              <a:schemeClr val="lt1"/>
-            </a:fontRef>
-          </p:style>
           <p:txBody>
             <a:bodyPr rtlCol="0" anchor="ctr"/>
             <a:lstStyle/>
@@ -4458,32 +4078,33 @@
             </a:p>
           </p:txBody>
         </p:sp>
-        <p:cxnSp>
-          <p:nvCxnSpPr>
-            <p:cNvPr id="68" name="Straight Connector 67">
+        <p:sp>
+          <p:nvSpPr>
+            <p:cNvPr id="20" name="Arc 19">
               <a:extLst>
                 <a:ext uri="{FF2B5EF4-FFF2-40B4-BE49-F238E27FC236}">
-                  <a16:creationId xmlns:a16="http://schemas.microsoft.com/office/drawing/2014/main" id="{FF15E5D1-27ED-4BDA-A392-3A0B615A0F93}"/>
+                  <a16:creationId xmlns:a16="http://schemas.microsoft.com/office/drawing/2014/main" id="{DD9F3874-1923-4AD0-97C1-E980789E6646}"/>
                 </a:ext>
               </a:extLst>
             </p:cNvPr>
-            <p:cNvCxnSpPr>
-              <a:cxnSpLocks/>
-              <a:stCxn id="67" idx="2"/>
-              <a:endCxn id="67" idx="4"/>
-            </p:cNvCxnSpPr>
+            <p:cNvSpPr/>
             <p:nvPr/>
-          </p:nvCxnSpPr>
+          </p:nvSpPr>
           <p:spPr>
-            <a:xfrm>
-              <a:off x="364620" y="1873351"/>
-              <a:ext cx="3236325" cy="0"/>
+            <a:xfrm rot="10800000">
+              <a:off x="2692857" y="2237357"/>
+              <a:ext cx="1280160" cy="457200"/>
             </a:xfrm>
-            <a:prstGeom prst="line">
-              <a:avLst/>
+            <a:prstGeom prst="arc">
+              <a:avLst>
+                <a:gd name="adj1" fmla="val 12507487"/>
+                <a:gd name="adj2" fmla="val 0"/>
+              </a:avLst>
             </a:prstGeom>
-            <a:ln w="76200">
-              <a:noFill/>
+            <a:ln w="57150" cap="rnd">
+              <a:solidFill>
+                <a:schemeClr val="tx1"/>
+              </a:solidFill>
             </a:ln>
           </p:spPr>
           <p:style>
@@ -4500,33 +4121,42 @@
               <a:schemeClr val="tx1"/>
             </a:fontRef>
           </p:style>
-        </p:cxnSp>
-        <p:cxnSp>
-          <p:nvCxnSpPr>
-            <p:cNvPr id="69" name="Straight Connector 68">
+          <p:txBody>
+            <a:bodyPr rtlCol="0" anchor="ctr"/>
+            <a:lstStyle/>
+            <a:p>
+              <a:pPr algn="ctr"/>
+              <a:endParaRPr lang="en-US" dirty="0"/>
+            </a:p>
+          </p:txBody>
+        </p:sp>
+        <p:sp>
+          <p:nvSpPr>
+            <p:cNvPr id="21" name="Arc 20">
               <a:extLst>
                 <a:ext uri="{FF2B5EF4-FFF2-40B4-BE49-F238E27FC236}">
-                  <a16:creationId xmlns:a16="http://schemas.microsoft.com/office/drawing/2014/main" id="{FA8237A8-6462-40B0-869E-BA2FD518FB2E}"/>
+                  <a16:creationId xmlns:a16="http://schemas.microsoft.com/office/drawing/2014/main" id="{AB19DB6B-436A-490E-BD7F-B8EBB17D8C00}"/>
                 </a:ext>
               </a:extLst>
             </p:cNvPr>
-            <p:cNvCxnSpPr>
-              <a:cxnSpLocks/>
-              <a:stCxn id="67" idx="1"/>
-              <a:endCxn id="67" idx="5"/>
-            </p:cNvCxnSpPr>
+            <p:cNvSpPr/>
             <p:nvPr/>
-          </p:nvCxnSpPr>
+          </p:nvSpPr>
           <p:spPr>
-            <a:xfrm>
-              <a:off x="364620" y="3491514"/>
-              <a:ext cx="3236325" cy="0"/>
+            <a:xfrm rot="10800000">
+              <a:off x="2692857" y="2589698"/>
+              <a:ext cx="1280160" cy="457200"/>
             </a:xfrm>
-            <a:prstGeom prst="line">
-              <a:avLst/>
+            <a:prstGeom prst="arc">
+              <a:avLst>
+                <a:gd name="adj1" fmla="val 10924143"/>
+                <a:gd name="adj2" fmla="val 0"/>
+              </a:avLst>
             </a:prstGeom>
-            <a:ln w="76200">
-              <a:noFill/>
+            <a:ln w="57150">
+              <a:solidFill>
+                <a:schemeClr val="tx1"/>
+              </a:solidFill>
             </a:ln>
           </p:spPr>
           <p:style>
@@ -4543,8 +4173,208 @@
               <a:schemeClr val="tx1"/>
             </a:fontRef>
           </p:style>
-        </p:cxnSp>
+          <p:txBody>
+            <a:bodyPr rtlCol="0" anchor="ctr"/>
+            <a:lstStyle/>
+            <a:p>
+              <a:pPr algn="ctr"/>
+              <a:endParaRPr lang="en-US"/>
+            </a:p>
+          </p:txBody>
+        </p:sp>
+        <p:sp>
+          <p:nvSpPr>
+            <p:cNvPr id="22" name="Arc 21">
+              <a:extLst>
+                <a:ext uri="{FF2B5EF4-FFF2-40B4-BE49-F238E27FC236}">
+                  <a16:creationId xmlns:a16="http://schemas.microsoft.com/office/drawing/2014/main" id="{08F063B8-027A-4B92-A821-5D6F612FD8B0}"/>
+                </a:ext>
+              </a:extLst>
+            </p:cNvPr>
+            <p:cNvSpPr/>
+            <p:nvPr/>
+          </p:nvSpPr>
+          <p:spPr>
+            <a:xfrm rot="10800000">
+              <a:off x="2692849" y="2878184"/>
+              <a:ext cx="1280160" cy="457200"/>
+            </a:xfrm>
+            <a:prstGeom prst="arc">
+              <a:avLst>
+                <a:gd name="adj1" fmla="val 10924143"/>
+                <a:gd name="adj2" fmla="val 20064838"/>
+              </a:avLst>
+            </a:prstGeom>
+            <a:ln w="57150" cap="rnd">
+              <a:solidFill>
+                <a:schemeClr val="tx1"/>
+              </a:solidFill>
+            </a:ln>
+          </p:spPr>
+          <p:style>
+            <a:lnRef idx="1">
+              <a:schemeClr val="accent1"/>
+            </a:lnRef>
+            <a:fillRef idx="0">
+              <a:schemeClr val="accent1"/>
+            </a:fillRef>
+            <a:effectRef idx="0">
+              <a:schemeClr val="accent1"/>
+            </a:effectRef>
+            <a:fontRef idx="minor">
+              <a:schemeClr val="tx1"/>
+            </a:fontRef>
+          </p:style>
+          <p:txBody>
+            <a:bodyPr rtlCol="0" anchor="ctr"/>
+            <a:lstStyle/>
+            <a:p>
+              <a:pPr algn="ctr"/>
+              <a:endParaRPr lang="en-US"/>
+            </a:p>
+          </p:txBody>
+        </p:sp>
       </p:grpSp>
+      <p:sp>
+        <p:nvSpPr>
+          <p:cNvPr id="67" name="Hexagon 66">
+            <a:extLst>
+              <a:ext uri="{FF2B5EF4-FFF2-40B4-BE49-F238E27FC236}">
+                <a16:creationId xmlns:a16="http://schemas.microsoft.com/office/drawing/2014/main" id="{19E722D1-7113-4FCE-9845-D921269887D4}"/>
+              </a:ext>
+            </a:extLst>
+          </p:cNvPr>
+          <p:cNvSpPr>
+            <a:spLocks noChangeAspect="1"/>
+          </p:cNvSpPr>
+          <p:nvPr/>
+        </p:nvSpPr>
+        <p:spPr>
+          <a:xfrm rot="5400000">
+            <a:off x="478389" y="96693"/>
+            <a:ext cx="3236327" cy="3236327"/>
+          </a:xfrm>
+          <a:prstGeom prst="hexagon">
+            <a:avLst/>
+          </a:prstGeom>
+          <a:noFill/>
+          <a:ln w="38100">
+            <a:solidFill>
+              <a:schemeClr val="tx1"/>
+            </a:solidFill>
+          </a:ln>
+        </p:spPr>
+        <p:style>
+          <a:lnRef idx="2">
+            <a:schemeClr val="accent1">
+              <a:shade val="50000"/>
+            </a:schemeClr>
+          </a:lnRef>
+          <a:fillRef idx="1">
+            <a:schemeClr val="accent1"/>
+          </a:fillRef>
+          <a:effectRef idx="0">
+            <a:schemeClr val="accent1"/>
+          </a:effectRef>
+          <a:fontRef idx="minor">
+            <a:schemeClr val="lt1"/>
+          </a:fontRef>
+        </p:style>
+        <p:txBody>
+          <a:bodyPr rtlCol="0" anchor="ctr"/>
+          <a:lstStyle/>
+          <a:p>
+            <a:pPr algn="ctr"/>
+            <a:endParaRPr lang="en-US"/>
+          </a:p>
+        </p:txBody>
+      </p:sp>
+      <p:cxnSp>
+        <p:nvCxnSpPr>
+          <p:cNvPr id="68" name="Straight Connector 67">
+            <a:extLst>
+              <a:ext uri="{FF2B5EF4-FFF2-40B4-BE49-F238E27FC236}">
+                <a16:creationId xmlns:a16="http://schemas.microsoft.com/office/drawing/2014/main" id="{FF15E5D1-27ED-4BDA-A392-3A0B615A0F93}"/>
+              </a:ext>
+            </a:extLst>
+          </p:cNvPr>
+          <p:cNvCxnSpPr>
+            <a:cxnSpLocks/>
+            <a:stCxn id="67" idx="2"/>
+            <a:endCxn id="67" idx="4"/>
+          </p:cNvCxnSpPr>
+          <p:nvPr/>
+        </p:nvCxnSpPr>
+        <p:spPr>
+          <a:xfrm>
+            <a:off x="478390" y="905775"/>
+            <a:ext cx="3236325" cy="0"/>
+          </a:xfrm>
+          <a:prstGeom prst="line">
+            <a:avLst/>
+          </a:prstGeom>
+          <a:ln w="76200">
+            <a:noFill/>
+          </a:ln>
+        </p:spPr>
+        <p:style>
+          <a:lnRef idx="1">
+            <a:schemeClr val="accent1"/>
+          </a:lnRef>
+          <a:fillRef idx="0">
+            <a:schemeClr val="accent1"/>
+          </a:fillRef>
+          <a:effectRef idx="0">
+            <a:schemeClr val="accent1"/>
+          </a:effectRef>
+          <a:fontRef idx="minor">
+            <a:schemeClr val="tx1"/>
+          </a:fontRef>
+        </p:style>
+      </p:cxnSp>
+      <p:cxnSp>
+        <p:nvCxnSpPr>
+          <p:cNvPr id="69" name="Straight Connector 68">
+            <a:extLst>
+              <a:ext uri="{FF2B5EF4-FFF2-40B4-BE49-F238E27FC236}">
+                <a16:creationId xmlns:a16="http://schemas.microsoft.com/office/drawing/2014/main" id="{FA8237A8-6462-40B0-869E-BA2FD518FB2E}"/>
+              </a:ext>
+            </a:extLst>
+          </p:cNvPr>
+          <p:cNvCxnSpPr>
+            <a:cxnSpLocks/>
+            <a:stCxn id="67" idx="1"/>
+            <a:endCxn id="67" idx="5"/>
+          </p:cNvCxnSpPr>
+          <p:nvPr/>
+        </p:nvCxnSpPr>
+        <p:spPr>
+          <a:xfrm>
+            <a:off x="478390" y="2523938"/>
+            <a:ext cx="3236325" cy="0"/>
+          </a:xfrm>
+          <a:prstGeom prst="line">
+            <a:avLst/>
+          </a:prstGeom>
+          <a:ln w="76200">
+            <a:noFill/>
+          </a:ln>
+        </p:spPr>
+        <p:style>
+          <a:lnRef idx="1">
+            <a:schemeClr val="accent1"/>
+          </a:lnRef>
+          <a:fillRef idx="0">
+            <a:schemeClr val="accent1"/>
+          </a:fillRef>
+          <a:effectRef idx="0">
+            <a:schemeClr val="accent1"/>
+          </a:effectRef>
+          <a:fontRef idx="minor">
+            <a:schemeClr val="tx1"/>
+          </a:fontRef>
+        </p:style>
+      </p:cxnSp>
       <p:grpSp>
         <p:nvGrpSpPr>
           <p:cNvPr id="76" name="Group 75">
@@ -4559,7 +4389,7 @@
         </p:nvGrpSpPr>
         <p:grpSpPr>
           <a:xfrm>
-            <a:off x="8331557" y="1064269"/>
+            <a:off x="8445327" y="96693"/>
             <a:ext cx="3236327" cy="3236327"/>
             <a:chOff x="8331557" y="1064269"/>
             <a:chExt cx="3236327" cy="3236327"/>
@@ -5284,10 +5114,1993 @@
           </p:txBody>
         </p:sp>
       </p:grpSp>
+      <p:grpSp>
+        <p:nvGrpSpPr>
+          <p:cNvPr id="8" name="Group 7">
+            <a:extLst>
+              <a:ext uri="{FF2B5EF4-FFF2-40B4-BE49-F238E27FC236}">
+                <a16:creationId xmlns:a16="http://schemas.microsoft.com/office/drawing/2014/main" id="{463E0F59-28DA-401F-A5D8-3D6B05B50F90}"/>
+              </a:ext>
+            </a:extLst>
+          </p:cNvPr>
+          <p:cNvGrpSpPr/>
+          <p:nvPr/>
+        </p:nvGrpSpPr>
+        <p:grpSpPr>
+          <a:xfrm>
+            <a:off x="7313606" y="4151654"/>
+            <a:ext cx="1463040" cy="1463040"/>
+            <a:chOff x="3168829" y="4497234"/>
+            <a:chExt cx="1463040" cy="1463040"/>
+          </a:xfrm>
+        </p:grpSpPr>
+        <p:sp>
+          <p:nvSpPr>
+            <p:cNvPr id="3" name="Oval 2">
+              <a:extLst>
+                <a:ext uri="{FF2B5EF4-FFF2-40B4-BE49-F238E27FC236}">
+                  <a16:creationId xmlns:a16="http://schemas.microsoft.com/office/drawing/2014/main" id="{E15077E6-09F1-4F0F-B65C-6EEDB870A022}"/>
+                </a:ext>
+              </a:extLst>
+            </p:cNvPr>
+            <p:cNvSpPr/>
+            <p:nvPr/>
+          </p:nvSpPr>
+          <p:spPr>
+            <a:xfrm>
+              <a:off x="3168829" y="4497234"/>
+              <a:ext cx="1463040" cy="1463040"/>
+            </a:xfrm>
+            <a:prstGeom prst="ellipse">
+              <a:avLst/>
+            </a:prstGeom>
+            <a:noFill/>
+            <a:ln w="76200">
+              <a:solidFill>
+                <a:schemeClr val="tx1"/>
+              </a:solidFill>
+            </a:ln>
+          </p:spPr>
+          <p:style>
+            <a:lnRef idx="2">
+              <a:schemeClr val="accent1">
+                <a:shade val="50000"/>
+              </a:schemeClr>
+            </a:lnRef>
+            <a:fillRef idx="1">
+              <a:schemeClr val="accent1"/>
+            </a:fillRef>
+            <a:effectRef idx="0">
+              <a:schemeClr val="accent1"/>
+            </a:effectRef>
+            <a:fontRef idx="minor">
+              <a:schemeClr val="lt1"/>
+            </a:fontRef>
+          </p:style>
+          <p:txBody>
+            <a:bodyPr rtlCol="0" anchor="ctr"/>
+            <a:lstStyle/>
+            <a:p>
+              <a:pPr algn="ctr"/>
+              <a:r>
+                <a:rPr lang="en-US" sz="10500" b="1" dirty="0">
+                  <a:solidFill>
+                    <a:schemeClr val="tx1"/>
+                  </a:solidFill>
+                  <a:cs typeface="Arial" panose="020B0604020202020204" pitchFamily="34" charset="0"/>
+                </a:rPr>
+                <a:t>$</a:t>
+              </a:r>
+            </a:p>
+          </p:txBody>
+        </p:sp>
+        <p:cxnSp>
+          <p:nvCxnSpPr>
+            <p:cNvPr id="5" name="Straight Connector 4">
+              <a:extLst>
+                <a:ext uri="{FF2B5EF4-FFF2-40B4-BE49-F238E27FC236}">
+                  <a16:creationId xmlns:a16="http://schemas.microsoft.com/office/drawing/2014/main" id="{BA6AC9C0-FC7B-4A0C-8B8B-40BD5C56B725}"/>
+                </a:ext>
+              </a:extLst>
+            </p:cNvPr>
+            <p:cNvCxnSpPr>
+              <a:cxnSpLocks/>
+              <a:stCxn id="3" idx="1"/>
+              <a:endCxn id="3" idx="5"/>
+            </p:cNvCxnSpPr>
+            <p:nvPr/>
+          </p:nvCxnSpPr>
+          <p:spPr>
+            <a:xfrm>
+              <a:off x="3383086" y="4711491"/>
+              <a:ext cx="1034526" cy="1034526"/>
+            </a:xfrm>
+            <a:prstGeom prst="line">
+              <a:avLst/>
+            </a:prstGeom>
+            <a:ln w="76200">
+              <a:solidFill>
+                <a:schemeClr val="tx1"/>
+              </a:solidFill>
+            </a:ln>
+          </p:spPr>
+          <p:style>
+            <a:lnRef idx="1">
+              <a:schemeClr val="accent1"/>
+            </a:lnRef>
+            <a:fillRef idx="0">
+              <a:schemeClr val="accent1"/>
+            </a:fillRef>
+            <a:effectRef idx="0">
+              <a:schemeClr val="accent1"/>
+            </a:effectRef>
+            <a:fontRef idx="minor">
+              <a:schemeClr val="tx1"/>
+            </a:fontRef>
+          </p:style>
+        </p:cxnSp>
+      </p:grpSp>
+      <p:sp>
+        <p:nvSpPr>
+          <p:cNvPr id="42" name="Hexagon 41">
+            <a:extLst>
+              <a:ext uri="{FF2B5EF4-FFF2-40B4-BE49-F238E27FC236}">
+                <a16:creationId xmlns:a16="http://schemas.microsoft.com/office/drawing/2014/main" id="{5C9D8964-B008-458E-BE9B-4FA580B54AB2}"/>
+              </a:ext>
+            </a:extLst>
+          </p:cNvPr>
+          <p:cNvSpPr>
+            <a:spLocks noChangeAspect="1"/>
+          </p:cNvSpPr>
+          <p:nvPr/>
+        </p:nvSpPr>
+        <p:spPr>
+          <a:xfrm rot="5400000">
+            <a:off x="6426963" y="3265010"/>
+            <a:ext cx="3236327" cy="3236327"/>
+          </a:xfrm>
+          <a:prstGeom prst="hexagon">
+            <a:avLst/>
+          </a:prstGeom>
+          <a:noFill/>
+          <a:ln w="38100">
+            <a:solidFill>
+              <a:schemeClr val="tx1"/>
+            </a:solidFill>
+          </a:ln>
+        </p:spPr>
+        <p:style>
+          <a:lnRef idx="2">
+            <a:schemeClr val="accent1">
+              <a:shade val="50000"/>
+            </a:schemeClr>
+          </a:lnRef>
+          <a:fillRef idx="1">
+            <a:schemeClr val="accent1"/>
+          </a:fillRef>
+          <a:effectRef idx="0">
+            <a:schemeClr val="accent1"/>
+          </a:effectRef>
+          <a:fontRef idx="minor">
+            <a:schemeClr val="lt1"/>
+          </a:fontRef>
+        </p:style>
+        <p:txBody>
+          <a:bodyPr rtlCol="0" anchor="ctr"/>
+          <a:lstStyle/>
+          <a:p>
+            <a:pPr algn="ctr"/>
+            <a:endParaRPr lang="en-US"/>
+          </a:p>
+        </p:txBody>
+      </p:sp>
+      <p:cxnSp>
+        <p:nvCxnSpPr>
+          <p:cNvPr id="43" name="Straight Connector 42">
+            <a:extLst>
+              <a:ext uri="{FF2B5EF4-FFF2-40B4-BE49-F238E27FC236}">
+                <a16:creationId xmlns:a16="http://schemas.microsoft.com/office/drawing/2014/main" id="{3EA2FD57-24FA-493A-94A5-95E02AB6193E}"/>
+              </a:ext>
+            </a:extLst>
+          </p:cNvPr>
+          <p:cNvCxnSpPr>
+            <a:cxnSpLocks/>
+            <a:stCxn id="42" idx="2"/>
+            <a:endCxn id="42" idx="4"/>
+          </p:cNvCxnSpPr>
+          <p:nvPr/>
+        </p:nvCxnSpPr>
+        <p:spPr>
+          <a:xfrm>
+            <a:off x="6426964" y="4074092"/>
+            <a:ext cx="3236325" cy="0"/>
+          </a:xfrm>
+          <a:prstGeom prst="line">
+            <a:avLst/>
+          </a:prstGeom>
+          <a:ln w="76200">
+            <a:noFill/>
+          </a:ln>
+        </p:spPr>
+        <p:style>
+          <a:lnRef idx="1">
+            <a:schemeClr val="accent1"/>
+          </a:lnRef>
+          <a:fillRef idx="0">
+            <a:schemeClr val="accent1"/>
+          </a:fillRef>
+          <a:effectRef idx="0">
+            <a:schemeClr val="accent1"/>
+          </a:effectRef>
+          <a:fontRef idx="minor">
+            <a:schemeClr val="tx1"/>
+          </a:fontRef>
+        </p:style>
+      </p:cxnSp>
+      <p:cxnSp>
+        <p:nvCxnSpPr>
+          <p:cNvPr id="44" name="Straight Connector 43">
+            <a:extLst>
+              <a:ext uri="{FF2B5EF4-FFF2-40B4-BE49-F238E27FC236}">
+                <a16:creationId xmlns:a16="http://schemas.microsoft.com/office/drawing/2014/main" id="{E4F74709-291D-4A3C-9D92-500F1904A9F2}"/>
+              </a:ext>
+            </a:extLst>
+          </p:cNvPr>
+          <p:cNvCxnSpPr>
+            <a:cxnSpLocks/>
+            <a:stCxn id="42" idx="1"/>
+            <a:endCxn id="42" idx="5"/>
+          </p:cNvCxnSpPr>
+          <p:nvPr/>
+        </p:nvCxnSpPr>
+        <p:spPr>
+          <a:xfrm>
+            <a:off x="6426964" y="5692255"/>
+            <a:ext cx="3236325" cy="0"/>
+          </a:xfrm>
+          <a:prstGeom prst="line">
+            <a:avLst/>
+          </a:prstGeom>
+          <a:ln w="76200">
+            <a:noFill/>
+          </a:ln>
+        </p:spPr>
+        <p:style>
+          <a:lnRef idx="1">
+            <a:schemeClr val="accent1"/>
+          </a:lnRef>
+          <a:fillRef idx="0">
+            <a:schemeClr val="accent1"/>
+          </a:fillRef>
+          <a:effectRef idx="0">
+            <a:schemeClr val="accent1"/>
+          </a:effectRef>
+          <a:fontRef idx="minor">
+            <a:schemeClr val="tx1"/>
+          </a:fontRef>
+        </p:style>
+      </p:cxnSp>
     </p:spTree>
     <p:extLst>
       <p:ext uri="{BB962C8B-B14F-4D97-AF65-F5344CB8AC3E}">
         <p14:creationId xmlns:p14="http://schemas.microsoft.com/office/powerpoint/2010/main" val="153631799"/>
+      </p:ext>
+    </p:extLst>
+  </p:cSld>
+  <p:clrMapOvr>
+    <a:masterClrMapping/>
+  </p:clrMapOvr>
+</p:sld>
+</file>
+
+<file path=ppt/slides/slide2.xml><?xml version="1.0" encoding="utf-8"?>
+<p:sld xmlns:a="http://schemas.openxmlformats.org/drawingml/2006/main" xmlns:r="http://schemas.openxmlformats.org/officeDocument/2006/relationships" xmlns:p="http://schemas.openxmlformats.org/presentationml/2006/main">
+  <p:cSld>
+    <p:spTree>
+      <p:nvGrpSpPr>
+        <p:cNvPr id="1" name=""/>
+        <p:cNvGrpSpPr/>
+        <p:nvPr/>
+      </p:nvGrpSpPr>
+      <p:grpSpPr>
+        <a:xfrm>
+          <a:off x="0" y="0"/>
+          <a:ext cx="0" cy="0"/>
+          <a:chOff x="0" y="0"/>
+          <a:chExt cx="0" cy="0"/>
+        </a:xfrm>
+      </p:grpSpPr>
+      <p:grpSp>
+        <p:nvGrpSpPr>
+          <p:cNvPr id="17" name="Group 16">
+            <a:extLst>
+              <a:ext uri="{FF2B5EF4-FFF2-40B4-BE49-F238E27FC236}">
+                <a16:creationId xmlns:a16="http://schemas.microsoft.com/office/drawing/2014/main" id="{8366C521-E006-43E4-BC43-3B78FE1499DF}"/>
+              </a:ext>
+            </a:extLst>
+          </p:cNvPr>
+          <p:cNvGrpSpPr>
+            <a:grpSpLocks noChangeAspect="1"/>
+          </p:cNvGrpSpPr>
+          <p:nvPr/>
+        </p:nvGrpSpPr>
+        <p:grpSpPr>
+          <a:xfrm>
+            <a:off x="9298753" y="983336"/>
+            <a:ext cx="1529474" cy="1463040"/>
+            <a:chOff x="6635692" y="1449334"/>
+            <a:chExt cx="3238150" cy="3097499"/>
+          </a:xfrm>
+          <a:solidFill>
+            <a:schemeClr val="bg1"/>
+          </a:solidFill>
+        </p:grpSpPr>
+        <p:sp>
+          <p:nvSpPr>
+            <p:cNvPr id="11" name="Freeform: Shape 10">
+              <a:extLst>
+                <a:ext uri="{FF2B5EF4-FFF2-40B4-BE49-F238E27FC236}">
+                  <a16:creationId xmlns:a16="http://schemas.microsoft.com/office/drawing/2014/main" id="{5A5FDCA1-D436-4A7C-AA3A-2A2F8A2FCF36}"/>
+                </a:ext>
+              </a:extLst>
+            </p:cNvPr>
+            <p:cNvSpPr/>
+            <p:nvPr/>
+          </p:nvSpPr>
+          <p:spPr>
+            <a:xfrm>
+              <a:off x="7021585" y="2424418"/>
+              <a:ext cx="2852257" cy="2122415"/>
+            </a:xfrm>
+            <a:custGeom>
+              <a:avLst/>
+              <a:gdLst>
+                <a:gd name="connsiteX0" fmla="*/ 0 w 2852257"/>
+                <a:gd name="connsiteY0" fmla="*/ 2122415 h 2122415"/>
+                <a:gd name="connsiteX1" fmla="*/ 494951 w 2852257"/>
+                <a:gd name="connsiteY1" fmla="*/ 1702965 h 2122415"/>
+                <a:gd name="connsiteX2" fmla="*/ 1686187 w 2852257"/>
+                <a:gd name="connsiteY2" fmla="*/ 1543575 h 2122415"/>
+                <a:gd name="connsiteX3" fmla="*/ 2407641 w 2852257"/>
+                <a:gd name="connsiteY3" fmla="*/ 226503 h 2122415"/>
+                <a:gd name="connsiteX4" fmla="*/ 2852257 w 2852257"/>
+                <a:gd name="connsiteY4" fmla="*/ 0 h 2122415"/>
+              </a:gdLst>
+              <a:ahLst/>
+              <a:cxnLst>
+                <a:cxn ang="0">
+                  <a:pos x="connsiteX0" y="connsiteY0"/>
+                </a:cxn>
+                <a:cxn ang="0">
+                  <a:pos x="connsiteX1" y="connsiteY1"/>
+                </a:cxn>
+                <a:cxn ang="0">
+                  <a:pos x="connsiteX2" y="connsiteY2"/>
+                </a:cxn>
+                <a:cxn ang="0">
+                  <a:pos x="connsiteX3" y="connsiteY3"/>
+                </a:cxn>
+                <a:cxn ang="0">
+                  <a:pos x="connsiteX4" y="connsiteY4"/>
+                </a:cxn>
+              </a:cxnLst>
+              <a:rect l="l" t="t" r="r" b="b"/>
+              <a:pathLst>
+                <a:path w="2852257" h="2122415">
+                  <a:moveTo>
+                    <a:pt x="0" y="2122415"/>
+                  </a:moveTo>
+                  <a:cubicBezTo>
+                    <a:pt x="106960" y="1960926"/>
+                    <a:pt x="213920" y="1799438"/>
+                    <a:pt x="494951" y="1702965"/>
+                  </a:cubicBezTo>
+                  <a:cubicBezTo>
+                    <a:pt x="775982" y="1606492"/>
+                    <a:pt x="1367405" y="1789652"/>
+                    <a:pt x="1686187" y="1543575"/>
+                  </a:cubicBezTo>
+                  <a:cubicBezTo>
+                    <a:pt x="2004969" y="1297498"/>
+                    <a:pt x="2213296" y="483766"/>
+                    <a:pt x="2407641" y="226503"/>
+                  </a:cubicBezTo>
+                  <a:cubicBezTo>
+                    <a:pt x="2601986" y="-30760"/>
+                    <a:pt x="2775358" y="40547"/>
+                    <a:pt x="2852257" y="0"/>
+                  </a:cubicBezTo>
+                </a:path>
+              </a:pathLst>
+            </a:custGeom>
+            <a:grpFill/>
+            <a:ln w="57150" cap="rnd">
+              <a:solidFill>
+                <a:schemeClr val="tx1"/>
+              </a:solidFill>
+            </a:ln>
+          </p:spPr>
+          <p:style>
+            <a:lnRef idx="2">
+              <a:schemeClr val="accent1">
+                <a:shade val="50000"/>
+              </a:schemeClr>
+            </a:lnRef>
+            <a:fillRef idx="1">
+              <a:schemeClr val="accent1"/>
+            </a:fillRef>
+            <a:effectRef idx="0">
+              <a:schemeClr val="accent1"/>
+            </a:effectRef>
+            <a:fontRef idx="minor">
+              <a:schemeClr val="lt1"/>
+            </a:fontRef>
+          </p:style>
+          <p:txBody>
+            <a:bodyPr rtlCol="0" anchor="ctr"/>
+            <a:lstStyle/>
+            <a:p>
+              <a:pPr algn="ctr"/>
+              <a:endParaRPr lang="en-US" baseline="-25000"/>
+            </a:p>
+          </p:txBody>
+        </p:sp>
+        <p:sp>
+          <p:nvSpPr>
+            <p:cNvPr id="12" name="Freeform: Shape 11">
+              <a:extLst>
+                <a:ext uri="{FF2B5EF4-FFF2-40B4-BE49-F238E27FC236}">
+                  <a16:creationId xmlns:a16="http://schemas.microsoft.com/office/drawing/2014/main" id="{18C76CFF-C498-4D63-A9E2-A21BDE9954B1}"/>
+                </a:ext>
+              </a:extLst>
+            </p:cNvPr>
+            <p:cNvSpPr/>
+            <p:nvPr/>
+          </p:nvSpPr>
+          <p:spPr>
+            <a:xfrm>
+              <a:off x="7060775" y="1449334"/>
+              <a:ext cx="2813067" cy="1100922"/>
+            </a:xfrm>
+            <a:custGeom>
+              <a:avLst/>
+              <a:gdLst>
+                <a:gd name="connsiteX0" fmla="*/ 2813067 w 2813067"/>
+                <a:gd name="connsiteY0" fmla="*/ 966695 h 1100922"/>
+                <a:gd name="connsiteX1" fmla="*/ 2485897 w 2813067"/>
+                <a:gd name="connsiteY1" fmla="*/ 673081 h 1100922"/>
+                <a:gd name="connsiteX2" fmla="*/ 1655386 w 2813067"/>
+                <a:gd name="connsiteY2" fmla="*/ 1100919 h 1100922"/>
+                <a:gd name="connsiteX3" fmla="*/ 598374 w 2813067"/>
+                <a:gd name="connsiteY3" fmla="*/ 664692 h 1100922"/>
+                <a:gd name="connsiteX4" fmla="*/ 2755 w 2813067"/>
+                <a:gd name="connsiteY4" fmla="*/ 1961 h 1100922"/>
+              </a:gdLst>
+              <a:ahLst/>
+              <a:cxnLst>
+                <a:cxn ang="0">
+                  <a:pos x="connsiteX0" y="connsiteY0"/>
+                </a:cxn>
+                <a:cxn ang="0">
+                  <a:pos x="connsiteX1" y="connsiteY1"/>
+                </a:cxn>
+                <a:cxn ang="0">
+                  <a:pos x="connsiteX2" y="connsiteY2"/>
+                </a:cxn>
+                <a:cxn ang="0">
+                  <a:pos x="connsiteX3" y="connsiteY3"/>
+                </a:cxn>
+                <a:cxn ang="0">
+                  <a:pos x="connsiteX4" y="connsiteY4"/>
+                </a:cxn>
+              </a:cxnLst>
+              <a:rect l="l" t="t" r="r" b="b"/>
+              <a:pathLst>
+                <a:path w="2813067" h="1100922">
+                  <a:moveTo>
+                    <a:pt x="2813067" y="966695"/>
+                  </a:moveTo>
+                  <a:cubicBezTo>
+                    <a:pt x="2745955" y="808702"/>
+                    <a:pt x="2678844" y="650710"/>
+                    <a:pt x="2485897" y="673081"/>
+                  </a:cubicBezTo>
+                  <a:cubicBezTo>
+                    <a:pt x="2292950" y="695452"/>
+                    <a:pt x="1969973" y="1102317"/>
+                    <a:pt x="1655386" y="1100919"/>
+                  </a:cubicBezTo>
+                  <a:cubicBezTo>
+                    <a:pt x="1340799" y="1099521"/>
+                    <a:pt x="873812" y="847852"/>
+                    <a:pt x="598374" y="664692"/>
+                  </a:cubicBezTo>
+                  <a:cubicBezTo>
+                    <a:pt x="322936" y="481532"/>
+                    <a:pt x="-34995" y="-35789"/>
+                    <a:pt x="2755" y="1961"/>
+                  </a:cubicBezTo>
+                </a:path>
+              </a:pathLst>
+            </a:custGeom>
+            <a:grpFill/>
+            <a:ln w="57150" cap="rnd">
+              <a:solidFill>
+                <a:schemeClr val="tx1"/>
+              </a:solidFill>
+            </a:ln>
+          </p:spPr>
+          <p:style>
+            <a:lnRef idx="2">
+              <a:schemeClr val="accent1">
+                <a:shade val="50000"/>
+              </a:schemeClr>
+            </a:lnRef>
+            <a:fillRef idx="1">
+              <a:schemeClr val="accent1"/>
+            </a:fillRef>
+            <a:effectRef idx="0">
+              <a:schemeClr val="accent1"/>
+            </a:effectRef>
+            <a:fontRef idx="minor">
+              <a:schemeClr val="lt1"/>
+            </a:fontRef>
+          </p:style>
+          <p:txBody>
+            <a:bodyPr rtlCol="0" anchor="ctr"/>
+            <a:lstStyle/>
+            <a:p>
+              <a:pPr algn="ctr"/>
+              <a:endParaRPr lang="en-US" baseline="-25000"/>
+            </a:p>
+          </p:txBody>
+        </p:sp>
+        <p:sp>
+          <p:nvSpPr>
+            <p:cNvPr id="13" name="Freeform: Shape 12">
+              <a:extLst>
+                <a:ext uri="{FF2B5EF4-FFF2-40B4-BE49-F238E27FC236}">
+                  <a16:creationId xmlns:a16="http://schemas.microsoft.com/office/drawing/2014/main" id="{6D829E0E-3EC2-4552-A792-B33B779F4FCE}"/>
+                </a:ext>
+              </a:extLst>
+            </p:cNvPr>
+            <p:cNvSpPr/>
+            <p:nvPr/>
+          </p:nvSpPr>
+          <p:spPr>
+            <a:xfrm>
+              <a:off x="7055141" y="1451295"/>
+              <a:ext cx="704676" cy="1862356"/>
+            </a:xfrm>
+            <a:custGeom>
+              <a:avLst/>
+              <a:gdLst>
+                <a:gd name="connsiteX0" fmla="*/ 0 w 704676"/>
+                <a:gd name="connsiteY0" fmla="*/ 0 h 1862356"/>
+                <a:gd name="connsiteX1" fmla="*/ 83890 w 704676"/>
+                <a:gd name="connsiteY1" fmla="*/ 1040235 h 1862356"/>
+                <a:gd name="connsiteX2" fmla="*/ 385894 w 704676"/>
+                <a:gd name="connsiteY2" fmla="*/ 1635854 h 1862356"/>
+                <a:gd name="connsiteX3" fmla="*/ 704676 w 704676"/>
+                <a:gd name="connsiteY3" fmla="*/ 1862356 h 1862356"/>
+              </a:gdLst>
+              <a:ahLst/>
+              <a:cxnLst>
+                <a:cxn ang="0">
+                  <a:pos x="connsiteX0" y="connsiteY0"/>
+                </a:cxn>
+                <a:cxn ang="0">
+                  <a:pos x="connsiteX1" y="connsiteY1"/>
+                </a:cxn>
+                <a:cxn ang="0">
+                  <a:pos x="connsiteX2" y="connsiteY2"/>
+                </a:cxn>
+                <a:cxn ang="0">
+                  <a:pos x="connsiteX3" y="connsiteY3"/>
+                </a:cxn>
+              </a:cxnLst>
+              <a:rect l="l" t="t" r="r" b="b"/>
+              <a:pathLst>
+                <a:path w="704676" h="1862356">
+                  <a:moveTo>
+                    <a:pt x="0" y="0"/>
+                  </a:moveTo>
+                  <a:cubicBezTo>
+                    <a:pt x="9787" y="383796"/>
+                    <a:pt x="19574" y="767593"/>
+                    <a:pt x="83890" y="1040235"/>
+                  </a:cubicBezTo>
+                  <a:cubicBezTo>
+                    <a:pt x="148206" y="1312877"/>
+                    <a:pt x="282430" y="1498834"/>
+                    <a:pt x="385894" y="1635854"/>
+                  </a:cubicBezTo>
+                  <a:cubicBezTo>
+                    <a:pt x="489358" y="1772874"/>
+                    <a:pt x="648750" y="1823208"/>
+                    <a:pt x="704676" y="1862356"/>
+                  </a:cubicBezTo>
+                </a:path>
+              </a:pathLst>
+            </a:custGeom>
+            <a:grpFill/>
+            <a:ln w="57150" cap="rnd">
+              <a:solidFill>
+                <a:schemeClr val="tx1"/>
+              </a:solidFill>
+            </a:ln>
+          </p:spPr>
+          <p:style>
+            <a:lnRef idx="2">
+              <a:schemeClr val="accent1">
+                <a:shade val="50000"/>
+              </a:schemeClr>
+            </a:lnRef>
+            <a:fillRef idx="1">
+              <a:schemeClr val="accent1"/>
+            </a:fillRef>
+            <a:effectRef idx="0">
+              <a:schemeClr val="accent1"/>
+            </a:effectRef>
+            <a:fontRef idx="minor">
+              <a:schemeClr val="lt1"/>
+            </a:fontRef>
+          </p:style>
+          <p:txBody>
+            <a:bodyPr rtlCol="0" anchor="ctr"/>
+            <a:lstStyle/>
+            <a:p>
+              <a:pPr algn="ctr"/>
+              <a:endParaRPr lang="en-US" baseline="-25000"/>
+            </a:p>
+          </p:txBody>
+        </p:sp>
+        <p:sp>
+          <p:nvSpPr>
+            <p:cNvPr id="14" name="Freeform: Shape 13">
+              <a:extLst>
+                <a:ext uri="{FF2B5EF4-FFF2-40B4-BE49-F238E27FC236}">
+                  <a16:creationId xmlns:a16="http://schemas.microsoft.com/office/drawing/2014/main" id="{B3E06968-F6BA-490D-BF85-91E0EE19B83F}"/>
+                </a:ext>
+              </a:extLst>
+            </p:cNvPr>
+            <p:cNvSpPr/>
+            <p:nvPr/>
+          </p:nvSpPr>
+          <p:spPr>
+            <a:xfrm>
+              <a:off x="6644081" y="3305262"/>
+              <a:ext cx="1115736" cy="294132"/>
+            </a:xfrm>
+            <a:custGeom>
+              <a:avLst/>
+              <a:gdLst>
+                <a:gd name="connsiteX0" fmla="*/ 1115736 w 1115736"/>
+                <a:gd name="connsiteY0" fmla="*/ 0 h 294132"/>
+                <a:gd name="connsiteX1" fmla="*/ 587229 w 1115736"/>
+                <a:gd name="connsiteY1" fmla="*/ 268448 h 294132"/>
+                <a:gd name="connsiteX2" fmla="*/ 0 w 1115736"/>
+                <a:gd name="connsiteY2" fmla="*/ 285226 h 294132"/>
+              </a:gdLst>
+              <a:ahLst/>
+              <a:cxnLst>
+                <a:cxn ang="0">
+                  <a:pos x="connsiteX0" y="connsiteY0"/>
+                </a:cxn>
+                <a:cxn ang="0">
+                  <a:pos x="connsiteX1" y="connsiteY1"/>
+                </a:cxn>
+                <a:cxn ang="0">
+                  <a:pos x="connsiteX2" y="connsiteY2"/>
+                </a:cxn>
+              </a:cxnLst>
+              <a:rect l="l" t="t" r="r" b="b"/>
+              <a:pathLst>
+                <a:path w="1115736" h="294132">
+                  <a:moveTo>
+                    <a:pt x="1115736" y="0"/>
+                  </a:moveTo>
+                  <a:cubicBezTo>
+                    <a:pt x="944460" y="110455"/>
+                    <a:pt x="773185" y="220910"/>
+                    <a:pt x="587229" y="268448"/>
+                  </a:cubicBezTo>
+                  <a:cubicBezTo>
+                    <a:pt x="401273" y="315986"/>
+                    <a:pt x="99270" y="282430"/>
+                    <a:pt x="0" y="285226"/>
+                  </a:cubicBezTo>
+                </a:path>
+              </a:pathLst>
+            </a:custGeom>
+            <a:grpFill/>
+            <a:ln w="57150" cap="rnd">
+              <a:solidFill>
+                <a:schemeClr val="tx1"/>
+              </a:solidFill>
+            </a:ln>
+          </p:spPr>
+          <p:style>
+            <a:lnRef idx="2">
+              <a:schemeClr val="accent1">
+                <a:shade val="50000"/>
+              </a:schemeClr>
+            </a:lnRef>
+            <a:fillRef idx="1">
+              <a:schemeClr val="accent1"/>
+            </a:fillRef>
+            <a:effectRef idx="0">
+              <a:schemeClr val="accent1"/>
+            </a:effectRef>
+            <a:fontRef idx="minor">
+              <a:schemeClr val="lt1"/>
+            </a:fontRef>
+          </p:style>
+          <p:txBody>
+            <a:bodyPr rtlCol="0" anchor="ctr"/>
+            <a:lstStyle/>
+            <a:p>
+              <a:pPr algn="ctr"/>
+              <a:endParaRPr lang="en-US" baseline="-25000"/>
+            </a:p>
+          </p:txBody>
+        </p:sp>
+        <p:sp>
+          <p:nvSpPr>
+            <p:cNvPr id="15" name="Freeform: Shape 14">
+              <a:extLst>
+                <a:ext uri="{FF2B5EF4-FFF2-40B4-BE49-F238E27FC236}">
+                  <a16:creationId xmlns:a16="http://schemas.microsoft.com/office/drawing/2014/main" id="{6B0CABB2-8836-4A34-B994-9484B1229580}"/>
+                </a:ext>
+              </a:extLst>
+            </p:cNvPr>
+            <p:cNvSpPr/>
+            <p:nvPr/>
+          </p:nvSpPr>
+          <p:spPr>
+            <a:xfrm>
+              <a:off x="6635692" y="3590488"/>
+              <a:ext cx="385893" cy="956345"/>
+            </a:xfrm>
+            <a:custGeom>
+              <a:avLst/>
+              <a:gdLst>
+                <a:gd name="connsiteX0" fmla="*/ 0 w 385893"/>
+                <a:gd name="connsiteY0" fmla="*/ 0 h 956345"/>
+                <a:gd name="connsiteX1" fmla="*/ 142613 w 385893"/>
+                <a:gd name="connsiteY1" fmla="*/ 511729 h 956345"/>
+                <a:gd name="connsiteX2" fmla="*/ 385893 w 385893"/>
+                <a:gd name="connsiteY2" fmla="*/ 956345 h 956345"/>
+              </a:gdLst>
+              <a:ahLst/>
+              <a:cxnLst>
+                <a:cxn ang="0">
+                  <a:pos x="connsiteX0" y="connsiteY0"/>
+                </a:cxn>
+                <a:cxn ang="0">
+                  <a:pos x="connsiteX1" y="connsiteY1"/>
+                </a:cxn>
+                <a:cxn ang="0">
+                  <a:pos x="connsiteX2" y="connsiteY2"/>
+                </a:cxn>
+              </a:cxnLst>
+              <a:rect l="l" t="t" r="r" b="b"/>
+              <a:pathLst>
+                <a:path w="385893" h="956345">
+                  <a:moveTo>
+                    <a:pt x="0" y="0"/>
+                  </a:moveTo>
+                  <a:cubicBezTo>
+                    <a:pt x="39149" y="176169"/>
+                    <a:pt x="78298" y="352338"/>
+                    <a:pt x="142613" y="511729"/>
+                  </a:cubicBezTo>
+                  <a:cubicBezTo>
+                    <a:pt x="206928" y="671120"/>
+                    <a:pt x="296410" y="813732"/>
+                    <a:pt x="385893" y="956345"/>
+                  </a:cubicBezTo>
+                </a:path>
+              </a:pathLst>
+            </a:custGeom>
+            <a:grpFill/>
+            <a:ln w="57150" cap="rnd">
+              <a:solidFill>
+                <a:schemeClr val="tx1"/>
+              </a:solidFill>
+            </a:ln>
+          </p:spPr>
+          <p:style>
+            <a:lnRef idx="2">
+              <a:schemeClr val="accent1">
+                <a:shade val="50000"/>
+              </a:schemeClr>
+            </a:lnRef>
+            <a:fillRef idx="1">
+              <a:schemeClr val="accent1"/>
+            </a:fillRef>
+            <a:effectRef idx="0">
+              <a:schemeClr val="accent1"/>
+            </a:effectRef>
+            <a:fontRef idx="minor">
+              <a:schemeClr val="lt1"/>
+            </a:fontRef>
+          </p:style>
+          <p:txBody>
+            <a:bodyPr rtlCol="0" anchor="ctr"/>
+            <a:lstStyle/>
+            <a:p>
+              <a:pPr algn="ctr"/>
+              <a:endParaRPr lang="en-US" baseline="-25000"/>
+            </a:p>
+          </p:txBody>
+        </p:sp>
+      </p:grpSp>
+      <p:sp>
+        <p:nvSpPr>
+          <p:cNvPr id="75" name="Oval 74">
+            <a:extLst>
+              <a:ext uri="{FF2B5EF4-FFF2-40B4-BE49-F238E27FC236}">
+                <a16:creationId xmlns:a16="http://schemas.microsoft.com/office/drawing/2014/main" id="{73DAF36F-73D1-491D-AEE6-2BB38274A326}"/>
+              </a:ext>
+            </a:extLst>
+          </p:cNvPr>
+          <p:cNvSpPr/>
+          <p:nvPr/>
+        </p:nvSpPr>
+        <p:spPr>
+          <a:xfrm>
+            <a:off x="10696500" y="1379205"/>
+            <a:ext cx="0" cy="0"/>
+          </a:xfrm>
+          <a:prstGeom prst="ellipse">
+            <a:avLst/>
+          </a:prstGeom>
+          <a:noFill/>
+          <a:ln w="38100">
+            <a:solidFill>
+              <a:schemeClr val="tx1"/>
+            </a:solidFill>
+          </a:ln>
+        </p:spPr>
+        <p:style>
+          <a:lnRef idx="2">
+            <a:schemeClr val="accent1">
+              <a:shade val="50000"/>
+            </a:schemeClr>
+          </a:lnRef>
+          <a:fillRef idx="1">
+            <a:schemeClr val="accent1"/>
+          </a:fillRef>
+          <a:effectRef idx="0">
+            <a:schemeClr val="accent1"/>
+          </a:effectRef>
+          <a:fontRef idx="minor">
+            <a:schemeClr val="lt1"/>
+          </a:fontRef>
+        </p:style>
+        <p:txBody>
+          <a:bodyPr rtlCol="0" anchor="ctr"/>
+          <a:lstStyle/>
+          <a:p>
+            <a:pPr algn="ctr"/>
+            <a:endParaRPr lang="en-US"/>
+          </a:p>
+        </p:txBody>
+      </p:sp>
+      <p:grpSp>
+        <p:nvGrpSpPr>
+          <p:cNvPr id="26" name="Group 25">
+            <a:extLst>
+              <a:ext uri="{FF2B5EF4-FFF2-40B4-BE49-F238E27FC236}">
+                <a16:creationId xmlns:a16="http://schemas.microsoft.com/office/drawing/2014/main" id="{5674FD21-99F0-4C22-8988-76A590B72EB5}"/>
+              </a:ext>
+            </a:extLst>
+          </p:cNvPr>
+          <p:cNvGrpSpPr/>
+          <p:nvPr/>
+        </p:nvGrpSpPr>
+        <p:grpSpPr>
+          <a:xfrm>
+            <a:off x="7245026" y="4082025"/>
+            <a:ext cx="1600200" cy="1602297"/>
+            <a:chOff x="7245026" y="4082025"/>
+            <a:chExt cx="1600200" cy="1602297"/>
+          </a:xfrm>
+        </p:grpSpPr>
+        <p:grpSp>
+          <p:nvGrpSpPr>
+            <p:cNvPr id="8" name="Group 7">
+              <a:extLst>
+                <a:ext uri="{FF2B5EF4-FFF2-40B4-BE49-F238E27FC236}">
+                  <a16:creationId xmlns:a16="http://schemas.microsoft.com/office/drawing/2014/main" id="{463E0F59-28DA-401F-A5D8-3D6B05B50F90}"/>
+                </a:ext>
+              </a:extLst>
+            </p:cNvPr>
+            <p:cNvGrpSpPr/>
+            <p:nvPr/>
+          </p:nvGrpSpPr>
+          <p:grpSpPr>
+            <a:xfrm>
+              <a:off x="7313606" y="4151654"/>
+              <a:ext cx="1463040" cy="1463040"/>
+              <a:chOff x="3168829" y="4497234"/>
+              <a:chExt cx="1463040" cy="1463040"/>
+            </a:xfrm>
+          </p:grpSpPr>
+          <p:sp>
+            <p:nvSpPr>
+              <p:cNvPr id="3" name="Oval 2">
+                <a:extLst>
+                  <a:ext uri="{FF2B5EF4-FFF2-40B4-BE49-F238E27FC236}">
+                    <a16:creationId xmlns:a16="http://schemas.microsoft.com/office/drawing/2014/main" id="{E15077E6-09F1-4F0F-B65C-6EEDB870A022}"/>
+                  </a:ext>
+                </a:extLst>
+              </p:cNvPr>
+              <p:cNvSpPr/>
+              <p:nvPr/>
+            </p:nvSpPr>
+            <p:spPr>
+              <a:xfrm>
+                <a:off x="3168829" y="4497234"/>
+                <a:ext cx="1463040" cy="1463040"/>
+              </a:xfrm>
+              <a:prstGeom prst="ellipse">
+                <a:avLst/>
+              </a:prstGeom>
+              <a:noFill/>
+              <a:ln w="76200">
+                <a:solidFill>
+                  <a:schemeClr val="bg1"/>
+                </a:solidFill>
+              </a:ln>
+            </p:spPr>
+            <p:style>
+              <a:lnRef idx="2">
+                <a:schemeClr val="accent1">
+                  <a:shade val="50000"/>
+                </a:schemeClr>
+              </a:lnRef>
+              <a:fillRef idx="1">
+                <a:schemeClr val="accent1"/>
+              </a:fillRef>
+              <a:effectRef idx="0">
+                <a:schemeClr val="accent1"/>
+              </a:effectRef>
+              <a:fontRef idx="minor">
+                <a:schemeClr val="lt1"/>
+              </a:fontRef>
+            </p:style>
+            <p:txBody>
+              <a:bodyPr rtlCol="0" anchor="ctr"/>
+              <a:lstStyle/>
+              <a:p>
+                <a:pPr algn="ctr"/>
+                <a:r>
+                  <a:rPr lang="en-US" sz="10500" b="1" dirty="0">
+                    <a:solidFill>
+                      <a:schemeClr val="bg1"/>
+                    </a:solidFill>
+                    <a:cs typeface="Arial" panose="020B0604020202020204" pitchFamily="34" charset="0"/>
+                  </a:rPr>
+                  <a:t>$</a:t>
+                </a:r>
+              </a:p>
+            </p:txBody>
+          </p:sp>
+          <p:cxnSp>
+            <p:nvCxnSpPr>
+              <p:cNvPr id="5" name="Straight Connector 4">
+                <a:extLst>
+                  <a:ext uri="{FF2B5EF4-FFF2-40B4-BE49-F238E27FC236}">
+                    <a16:creationId xmlns:a16="http://schemas.microsoft.com/office/drawing/2014/main" id="{BA6AC9C0-FC7B-4A0C-8B8B-40BD5C56B725}"/>
+                  </a:ext>
+                </a:extLst>
+              </p:cNvPr>
+              <p:cNvCxnSpPr>
+                <a:cxnSpLocks/>
+                <a:stCxn id="3" idx="1"/>
+                <a:endCxn id="3" idx="5"/>
+              </p:cNvCxnSpPr>
+              <p:nvPr/>
+            </p:nvCxnSpPr>
+            <p:spPr>
+              <a:xfrm>
+                <a:off x="3383086" y="4711491"/>
+                <a:ext cx="1034526" cy="1034526"/>
+              </a:xfrm>
+              <a:prstGeom prst="line">
+                <a:avLst/>
+              </a:prstGeom>
+              <a:ln w="76200">
+                <a:solidFill>
+                  <a:schemeClr val="bg1"/>
+                </a:solidFill>
+              </a:ln>
+            </p:spPr>
+            <p:style>
+              <a:lnRef idx="1">
+                <a:schemeClr val="accent1"/>
+              </a:lnRef>
+              <a:fillRef idx="0">
+                <a:schemeClr val="accent1"/>
+              </a:fillRef>
+              <a:effectRef idx="0">
+                <a:schemeClr val="accent1"/>
+              </a:effectRef>
+              <a:fontRef idx="minor">
+                <a:schemeClr val="tx1"/>
+              </a:fontRef>
+            </p:style>
+          </p:cxnSp>
+        </p:grpSp>
+        <p:sp>
+          <p:nvSpPr>
+            <p:cNvPr id="2" name="Rectangle 1">
+              <a:extLst>
+                <a:ext uri="{FF2B5EF4-FFF2-40B4-BE49-F238E27FC236}">
+                  <a16:creationId xmlns:a16="http://schemas.microsoft.com/office/drawing/2014/main" id="{7EEC0936-757F-4426-9035-18E315686385}"/>
+                </a:ext>
+              </a:extLst>
+            </p:cNvPr>
+            <p:cNvSpPr/>
+            <p:nvPr/>
+          </p:nvSpPr>
+          <p:spPr>
+            <a:xfrm>
+              <a:off x="7245026" y="4082025"/>
+              <a:ext cx="1600200" cy="1602297"/>
+            </a:xfrm>
+            <a:prstGeom prst="rect">
+              <a:avLst/>
+            </a:prstGeom>
+            <a:noFill/>
+            <a:ln>
+              <a:noFill/>
+            </a:ln>
+          </p:spPr>
+          <p:style>
+            <a:lnRef idx="2">
+              <a:schemeClr val="accent1">
+                <a:shade val="50000"/>
+              </a:schemeClr>
+            </a:lnRef>
+            <a:fillRef idx="1">
+              <a:schemeClr val="accent1"/>
+            </a:fillRef>
+            <a:effectRef idx="0">
+              <a:schemeClr val="accent1"/>
+            </a:effectRef>
+            <a:fontRef idx="minor">
+              <a:schemeClr val="lt1"/>
+            </a:fontRef>
+          </p:style>
+          <p:txBody>
+            <a:bodyPr rtlCol="0" anchor="ctr"/>
+            <a:lstStyle/>
+            <a:p>
+              <a:pPr algn="ctr"/>
+              <a:endParaRPr lang="en-US"/>
+            </a:p>
+          </p:txBody>
+        </p:sp>
+      </p:grpSp>
+      <p:grpSp>
+        <p:nvGrpSpPr>
+          <p:cNvPr id="31" name="Group 30">
+            <a:extLst>
+              <a:ext uri="{FF2B5EF4-FFF2-40B4-BE49-F238E27FC236}">
+                <a16:creationId xmlns:a16="http://schemas.microsoft.com/office/drawing/2014/main" id="{9A772300-7BDA-417A-A201-503956E46D2F}"/>
+              </a:ext>
+            </a:extLst>
+          </p:cNvPr>
+          <p:cNvGrpSpPr/>
+          <p:nvPr/>
+        </p:nvGrpSpPr>
+        <p:grpSpPr>
+          <a:xfrm>
+            <a:off x="5238982" y="864307"/>
+            <a:ext cx="1600200" cy="1602297"/>
+            <a:chOff x="5238982" y="864307"/>
+            <a:chExt cx="1600200" cy="1602297"/>
+          </a:xfrm>
+        </p:grpSpPr>
+        <p:sp>
+          <p:nvSpPr>
+            <p:cNvPr id="41" name="Freeform: Shape 40">
+              <a:extLst>
+                <a:ext uri="{FF2B5EF4-FFF2-40B4-BE49-F238E27FC236}">
+                  <a16:creationId xmlns:a16="http://schemas.microsoft.com/office/drawing/2014/main" id="{BAF86DC9-2617-449F-B729-48DDB2CC0284}"/>
+                </a:ext>
+              </a:extLst>
+            </p:cNvPr>
+            <p:cNvSpPr/>
+            <p:nvPr/>
+          </p:nvSpPr>
+          <p:spPr>
+            <a:xfrm>
+              <a:off x="5441154" y="1501508"/>
+              <a:ext cx="1189242" cy="944868"/>
+            </a:xfrm>
+            <a:custGeom>
+              <a:avLst/>
+              <a:gdLst>
+                <a:gd name="connsiteX0" fmla="*/ 576039 w 1152078"/>
+                <a:gd name="connsiteY0" fmla="*/ 230257 h 915341"/>
+                <a:gd name="connsiteX1" fmla="*/ 438879 w 1152078"/>
+                <a:gd name="connsiteY1" fmla="*/ 371713 h 915341"/>
+                <a:gd name="connsiteX2" fmla="*/ 479052 w 1152078"/>
+                <a:gd name="connsiteY2" fmla="*/ 471738 h 915341"/>
+                <a:gd name="connsiteX3" fmla="*/ 494114 w 1152078"/>
+                <a:gd name="connsiteY3" fmla="*/ 482211 h 915341"/>
+                <a:gd name="connsiteX4" fmla="*/ 494114 w 1152078"/>
+                <a:gd name="connsiteY4" fmla="*/ 686945 h 915341"/>
+                <a:gd name="connsiteX5" fmla="*/ 521423 w 1152078"/>
+                <a:gd name="connsiteY5" fmla="*/ 714254 h 915341"/>
+                <a:gd name="connsiteX6" fmla="*/ 630655 w 1152078"/>
+                <a:gd name="connsiteY6" fmla="*/ 714254 h 915341"/>
+                <a:gd name="connsiteX7" fmla="*/ 657964 w 1152078"/>
+                <a:gd name="connsiteY7" fmla="*/ 686945 h 915341"/>
+                <a:gd name="connsiteX8" fmla="*/ 657964 w 1152078"/>
+                <a:gd name="connsiteY8" fmla="*/ 482211 h 915341"/>
+                <a:gd name="connsiteX9" fmla="*/ 673026 w 1152078"/>
+                <a:gd name="connsiteY9" fmla="*/ 471738 h 915341"/>
+                <a:gd name="connsiteX10" fmla="*/ 713199 w 1152078"/>
+                <a:gd name="connsiteY10" fmla="*/ 371713 h 915341"/>
+                <a:gd name="connsiteX11" fmla="*/ 576039 w 1152078"/>
+                <a:gd name="connsiteY11" fmla="*/ 230257 h 915341"/>
+                <a:gd name="connsiteX12" fmla="*/ 152560 w 1152078"/>
+                <a:gd name="connsiteY12" fmla="*/ 0 h 915341"/>
+                <a:gd name="connsiteX13" fmla="*/ 999518 w 1152078"/>
+                <a:gd name="connsiteY13" fmla="*/ 0 h 915341"/>
+                <a:gd name="connsiteX14" fmla="*/ 1152078 w 1152078"/>
+                <a:gd name="connsiteY14" fmla="*/ 152560 h 915341"/>
+                <a:gd name="connsiteX15" fmla="*/ 1152078 w 1152078"/>
+                <a:gd name="connsiteY15" fmla="*/ 762781 h 915341"/>
+                <a:gd name="connsiteX16" fmla="*/ 999518 w 1152078"/>
+                <a:gd name="connsiteY16" fmla="*/ 915341 h 915341"/>
+                <a:gd name="connsiteX17" fmla="*/ 152560 w 1152078"/>
+                <a:gd name="connsiteY17" fmla="*/ 915341 h 915341"/>
+                <a:gd name="connsiteX18" fmla="*/ 0 w 1152078"/>
+                <a:gd name="connsiteY18" fmla="*/ 762781 h 915341"/>
+                <a:gd name="connsiteX19" fmla="*/ 0 w 1152078"/>
+                <a:gd name="connsiteY19" fmla="*/ 152560 h 915341"/>
+                <a:gd name="connsiteX20" fmla="*/ 152560 w 1152078"/>
+                <a:gd name="connsiteY20" fmla="*/ 0 h 915341"/>
+              </a:gdLst>
+              <a:ahLst/>
+              <a:cxnLst>
+                <a:cxn ang="0">
+                  <a:pos x="connsiteX0" y="connsiteY0"/>
+                </a:cxn>
+                <a:cxn ang="0">
+                  <a:pos x="connsiteX1" y="connsiteY1"/>
+                </a:cxn>
+                <a:cxn ang="0">
+                  <a:pos x="connsiteX2" y="connsiteY2"/>
+                </a:cxn>
+                <a:cxn ang="0">
+                  <a:pos x="connsiteX3" y="connsiteY3"/>
+                </a:cxn>
+                <a:cxn ang="0">
+                  <a:pos x="connsiteX4" y="connsiteY4"/>
+                </a:cxn>
+                <a:cxn ang="0">
+                  <a:pos x="connsiteX5" y="connsiteY5"/>
+                </a:cxn>
+                <a:cxn ang="0">
+                  <a:pos x="connsiteX6" y="connsiteY6"/>
+                </a:cxn>
+                <a:cxn ang="0">
+                  <a:pos x="connsiteX7" y="connsiteY7"/>
+                </a:cxn>
+                <a:cxn ang="0">
+                  <a:pos x="connsiteX8" y="connsiteY8"/>
+                </a:cxn>
+                <a:cxn ang="0">
+                  <a:pos x="connsiteX9" y="connsiteY9"/>
+                </a:cxn>
+                <a:cxn ang="0">
+                  <a:pos x="connsiteX10" y="connsiteY10"/>
+                </a:cxn>
+                <a:cxn ang="0">
+                  <a:pos x="connsiteX11" y="connsiteY11"/>
+                </a:cxn>
+                <a:cxn ang="0">
+                  <a:pos x="connsiteX12" y="connsiteY12"/>
+                </a:cxn>
+                <a:cxn ang="0">
+                  <a:pos x="connsiteX13" y="connsiteY13"/>
+                </a:cxn>
+                <a:cxn ang="0">
+                  <a:pos x="connsiteX14" y="connsiteY14"/>
+                </a:cxn>
+                <a:cxn ang="0">
+                  <a:pos x="connsiteX15" y="connsiteY15"/>
+                </a:cxn>
+                <a:cxn ang="0">
+                  <a:pos x="connsiteX16" y="connsiteY16"/>
+                </a:cxn>
+                <a:cxn ang="0">
+                  <a:pos x="connsiteX17" y="connsiteY17"/>
+                </a:cxn>
+                <a:cxn ang="0">
+                  <a:pos x="connsiteX18" y="connsiteY18"/>
+                </a:cxn>
+                <a:cxn ang="0">
+                  <a:pos x="connsiteX19" y="connsiteY19"/>
+                </a:cxn>
+                <a:cxn ang="0">
+                  <a:pos x="connsiteX20" y="connsiteY20"/>
+                </a:cxn>
+              </a:cxnLst>
+              <a:rect l="l" t="t" r="r" b="b"/>
+              <a:pathLst>
+                <a:path w="1152078" h="915341">
+                  <a:moveTo>
+                    <a:pt x="576039" y="230257"/>
+                  </a:moveTo>
+                  <a:cubicBezTo>
+                    <a:pt x="500288" y="230257"/>
+                    <a:pt x="438879" y="293589"/>
+                    <a:pt x="438879" y="371713"/>
+                  </a:cubicBezTo>
+                  <a:cubicBezTo>
+                    <a:pt x="438879" y="410775"/>
+                    <a:pt x="454231" y="446139"/>
+                    <a:pt x="479052" y="471738"/>
+                  </a:cubicBezTo>
+                  <a:lnTo>
+                    <a:pt x="494114" y="482211"/>
+                  </a:lnTo>
+                  <a:lnTo>
+                    <a:pt x="494114" y="686945"/>
+                  </a:lnTo>
+                  <a:cubicBezTo>
+                    <a:pt x="494114" y="702027"/>
+                    <a:pt x="506341" y="714254"/>
+                    <a:pt x="521423" y="714254"/>
+                  </a:cubicBezTo>
+                  <a:lnTo>
+                    <a:pt x="630655" y="714254"/>
+                  </a:lnTo>
+                  <a:cubicBezTo>
+                    <a:pt x="645737" y="714254"/>
+                    <a:pt x="657964" y="702027"/>
+                    <a:pt x="657964" y="686945"/>
+                  </a:cubicBezTo>
+                  <a:lnTo>
+                    <a:pt x="657964" y="482211"/>
+                  </a:lnTo>
+                  <a:lnTo>
+                    <a:pt x="673026" y="471738"/>
+                  </a:lnTo>
+                  <a:cubicBezTo>
+                    <a:pt x="697847" y="446139"/>
+                    <a:pt x="713199" y="410775"/>
+                    <a:pt x="713199" y="371713"/>
+                  </a:cubicBezTo>
+                  <a:cubicBezTo>
+                    <a:pt x="713199" y="293589"/>
+                    <a:pt x="651790" y="230257"/>
+                    <a:pt x="576039" y="230257"/>
+                  </a:cubicBezTo>
+                  <a:close/>
+                  <a:moveTo>
+                    <a:pt x="152560" y="0"/>
+                  </a:moveTo>
+                  <a:lnTo>
+                    <a:pt x="999518" y="0"/>
+                  </a:lnTo>
+                  <a:cubicBezTo>
+                    <a:pt x="1083775" y="0"/>
+                    <a:pt x="1152078" y="68303"/>
+                    <a:pt x="1152078" y="152560"/>
+                  </a:cubicBezTo>
+                  <a:lnTo>
+                    <a:pt x="1152078" y="762781"/>
+                  </a:lnTo>
+                  <a:cubicBezTo>
+                    <a:pt x="1152078" y="847038"/>
+                    <a:pt x="1083775" y="915341"/>
+                    <a:pt x="999518" y="915341"/>
+                  </a:cubicBezTo>
+                  <a:lnTo>
+                    <a:pt x="152560" y="915341"/>
+                  </a:lnTo>
+                  <a:cubicBezTo>
+                    <a:pt x="68303" y="915341"/>
+                    <a:pt x="0" y="847038"/>
+                    <a:pt x="0" y="762781"/>
+                  </a:cubicBezTo>
+                  <a:lnTo>
+                    <a:pt x="0" y="152560"/>
+                  </a:lnTo>
+                  <a:cubicBezTo>
+                    <a:pt x="0" y="68303"/>
+                    <a:pt x="68303" y="0"/>
+                    <a:pt x="152560" y="0"/>
+                  </a:cubicBezTo>
+                  <a:close/>
+                </a:path>
+              </a:pathLst>
+            </a:custGeom>
+            <a:solidFill>
+              <a:schemeClr val="bg1"/>
+            </a:solidFill>
+            <a:ln>
+              <a:solidFill>
+                <a:schemeClr val="bg1"/>
+              </a:solidFill>
+            </a:ln>
+          </p:spPr>
+          <p:style>
+            <a:lnRef idx="2">
+              <a:schemeClr val="accent1">
+                <a:shade val="50000"/>
+              </a:schemeClr>
+            </a:lnRef>
+            <a:fillRef idx="1">
+              <a:schemeClr val="accent1"/>
+            </a:fillRef>
+            <a:effectRef idx="0">
+              <a:schemeClr val="accent1"/>
+            </a:effectRef>
+            <a:fontRef idx="minor">
+              <a:schemeClr val="lt1"/>
+            </a:fontRef>
+          </p:style>
+          <p:txBody>
+            <a:bodyPr wrap="square" rtlCol="0" anchor="ctr">
+              <a:noAutofit/>
+            </a:bodyPr>
+            <a:lstStyle/>
+            <a:p>
+              <a:pPr algn="ctr"/>
+              <a:endParaRPr lang="en-US" dirty="0"/>
+            </a:p>
+          </p:txBody>
+        </p:sp>
+        <p:sp>
+          <p:nvSpPr>
+            <p:cNvPr id="24" name="Arc 23">
+              <a:extLst>
+                <a:ext uri="{FF2B5EF4-FFF2-40B4-BE49-F238E27FC236}">
+                  <a16:creationId xmlns:a16="http://schemas.microsoft.com/office/drawing/2014/main" id="{E0066D44-E84E-454D-AB19-A76150C4C18D}"/>
+                </a:ext>
+              </a:extLst>
+            </p:cNvPr>
+            <p:cNvSpPr/>
+            <p:nvPr/>
+          </p:nvSpPr>
+          <p:spPr>
+            <a:xfrm>
+              <a:off x="5712427" y="983336"/>
+              <a:ext cx="656529" cy="681423"/>
+            </a:xfrm>
+            <a:prstGeom prst="arc">
+              <a:avLst>
+                <a:gd name="adj1" fmla="val 10728299"/>
+                <a:gd name="adj2" fmla="val 0"/>
+              </a:avLst>
+            </a:prstGeom>
+            <a:noFill/>
+            <a:ln w="177800">
+              <a:solidFill>
+                <a:schemeClr val="bg1"/>
+              </a:solidFill>
+            </a:ln>
+          </p:spPr>
+          <p:style>
+            <a:lnRef idx="1">
+              <a:schemeClr val="accent1"/>
+            </a:lnRef>
+            <a:fillRef idx="0">
+              <a:schemeClr val="accent1"/>
+            </a:fillRef>
+            <a:effectRef idx="0">
+              <a:schemeClr val="accent1"/>
+            </a:effectRef>
+            <a:fontRef idx="minor">
+              <a:schemeClr val="tx1"/>
+            </a:fontRef>
+          </p:style>
+          <p:txBody>
+            <a:bodyPr rtlCol="0" anchor="ctr"/>
+            <a:lstStyle/>
+            <a:p>
+              <a:pPr algn="ctr"/>
+              <a:endParaRPr lang="en-US"/>
+            </a:p>
+          </p:txBody>
+        </p:sp>
+        <p:cxnSp>
+          <p:nvCxnSpPr>
+            <p:cNvPr id="25" name="Straight Connector 24">
+              <a:extLst>
+                <a:ext uri="{FF2B5EF4-FFF2-40B4-BE49-F238E27FC236}">
+                  <a16:creationId xmlns:a16="http://schemas.microsoft.com/office/drawing/2014/main" id="{9805F1C6-E60C-419B-ACCF-DAF8EB9694A5}"/>
+                </a:ext>
+              </a:extLst>
+            </p:cNvPr>
+            <p:cNvCxnSpPr>
+              <a:cxnSpLocks/>
+            </p:cNvCxnSpPr>
+            <p:nvPr/>
+          </p:nvCxnSpPr>
+          <p:spPr>
+            <a:xfrm flipH="1">
+              <a:off x="5712397" y="1323757"/>
+              <a:ext cx="22" cy="327702"/>
+            </a:xfrm>
+            <a:prstGeom prst="line">
+              <a:avLst/>
+            </a:prstGeom>
+            <a:solidFill>
+              <a:schemeClr val="bg1"/>
+            </a:solidFill>
+            <a:ln w="177800">
+              <a:solidFill>
+                <a:schemeClr val="bg1"/>
+              </a:solidFill>
+            </a:ln>
+          </p:spPr>
+          <p:style>
+            <a:lnRef idx="1">
+              <a:schemeClr val="dk1"/>
+            </a:lnRef>
+            <a:fillRef idx="0">
+              <a:schemeClr val="dk1"/>
+            </a:fillRef>
+            <a:effectRef idx="0">
+              <a:schemeClr val="dk1"/>
+            </a:effectRef>
+            <a:fontRef idx="minor">
+              <a:schemeClr val="tx1"/>
+            </a:fontRef>
+          </p:style>
+        </p:cxnSp>
+        <p:cxnSp>
+          <p:nvCxnSpPr>
+            <p:cNvPr id="28" name="Straight Connector 27">
+              <a:extLst>
+                <a:ext uri="{FF2B5EF4-FFF2-40B4-BE49-F238E27FC236}">
+                  <a16:creationId xmlns:a16="http://schemas.microsoft.com/office/drawing/2014/main" id="{11CB1A72-5ECE-4CC1-8BD3-3D6FF012BD52}"/>
+                </a:ext>
+              </a:extLst>
+            </p:cNvPr>
+            <p:cNvCxnSpPr>
+              <a:cxnSpLocks/>
+            </p:cNvCxnSpPr>
+            <p:nvPr/>
+          </p:nvCxnSpPr>
+          <p:spPr>
+            <a:xfrm flipH="1">
+              <a:off x="6368956" y="1312138"/>
+              <a:ext cx="22" cy="327702"/>
+            </a:xfrm>
+            <a:prstGeom prst="line">
+              <a:avLst/>
+            </a:prstGeom>
+            <a:solidFill>
+              <a:schemeClr val="bg1"/>
+            </a:solidFill>
+            <a:ln w="177800">
+              <a:solidFill>
+                <a:schemeClr val="bg1"/>
+              </a:solidFill>
+            </a:ln>
+          </p:spPr>
+          <p:style>
+            <a:lnRef idx="1">
+              <a:schemeClr val="dk1"/>
+            </a:lnRef>
+            <a:fillRef idx="0">
+              <a:schemeClr val="dk1"/>
+            </a:fillRef>
+            <a:effectRef idx="0">
+              <a:schemeClr val="dk1"/>
+            </a:effectRef>
+            <a:fontRef idx="minor">
+              <a:schemeClr val="tx1"/>
+            </a:fontRef>
+          </p:style>
+        </p:cxnSp>
+        <p:sp>
+          <p:nvSpPr>
+            <p:cNvPr id="40" name="Rectangle 39">
+              <a:extLst>
+                <a:ext uri="{FF2B5EF4-FFF2-40B4-BE49-F238E27FC236}">
+                  <a16:creationId xmlns:a16="http://schemas.microsoft.com/office/drawing/2014/main" id="{194BE86A-AB7F-465B-9846-DE8EA6D5AD8D}"/>
+                </a:ext>
+              </a:extLst>
+            </p:cNvPr>
+            <p:cNvSpPr/>
+            <p:nvPr/>
+          </p:nvSpPr>
+          <p:spPr>
+            <a:xfrm>
+              <a:off x="5238982" y="864307"/>
+              <a:ext cx="1600200" cy="1602297"/>
+            </a:xfrm>
+            <a:prstGeom prst="rect">
+              <a:avLst/>
+            </a:prstGeom>
+            <a:noFill/>
+            <a:ln>
+              <a:noFill/>
+            </a:ln>
+          </p:spPr>
+          <p:style>
+            <a:lnRef idx="2">
+              <a:schemeClr val="accent1">
+                <a:shade val="50000"/>
+              </a:schemeClr>
+            </a:lnRef>
+            <a:fillRef idx="1">
+              <a:schemeClr val="accent1"/>
+            </a:fillRef>
+            <a:effectRef idx="0">
+              <a:schemeClr val="accent1"/>
+            </a:effectRef>
+            <a:fontRef idx="minor">
+              <a:schemeClr val="lt1"/>
+            </a:fontRef>
+          </p:style>
+          <p:txBody>
+            <a:bodyPr rtlCol="0" anchor="ctr"/>
+            <a:lstStyle/>
+            <a:p>
+              <a:pPr algn="ctr"/>
+              <a:endParaRPr lang="en-US"/>
+            </a:p>
+          </p:txBody>
+        </p:sp>
+      </p:grpSp>
+      <p:grpSp>
+        <p:nvGrpSpPr>
+          <p:cNvPr id="30" name="Group 29">
+            <a:extLst>
+              <a:ext uri="{FF2B5EF4-FFF2-40B4-BE49-F238E27FC236}">
+                <a16:creationId xmlns:a16="http://schemas.microsoft.com/office/drawing/2014/main" id="{B8FE82AD-42BB-465C-ACC1-B63F508A7609}"/>
+              </a:ext>
+            </a:extLst>
+          </p:cNvPr>
+          <p:cNvGrpSpPr/>
+          <p:nvPr/>
+        </p:nvGrpSpPr>
+        <p:grpSpPr>
+          <a:xfrm>
+            <a:off x="1296444" y="948170"/>
+            <a:ext cx="1600200" cy="1602297"/>
+            <a:chOff x="1296444" y="948170"/>
+            <a:chExt cx="1600200" cy="1602297"/>
+          </a:xfrm>
+        </p:grpSpPr>
+        <p:grpSp>
+          <p:nvGrpSpPr>
+            <p:cNvPr id="32" name="Group 31">
+              <a:extLst>
+                <a:ext uri="{FF2B5EF4-FFF2-40B4-BE49-F238E27FC236}">
+                  <a16:creationId xmlns:a16="http://schemas.microsoft.com/office/drawing/2014/main" id="{51E2E25D-C41B-4A69-BA85-9FC17A0A2440}"/>
+                </a:ext>
+              </a:extLst>
+            </p:cNvPr>
+            <p:cNvGrpSpPr>
+              <a:grpSpLocks noChangeAspect="1"/>
+            </p:cNvGrpSpPr>
+            <p:nvPr/>
+          </p:nvGrpSpPr>
+          <p:grpSpPr>
+            <a:xfrm>
+              <a:off x="1501082" y="998384"/>
+              <a:ext cx="1190939" cy="1463040"/>
+              <a:chOff x="2692849" y="2237358"/>
+              <a:chExt cx="1280176" cy="1415382"/>
+            </a:xfrm>
+          </p:grpSpPr>
+          <p:cxnSp>
+            <p:nvCxnSpPr>
+              <p:cNvPr id="6" name="Straight Connector 5">
+                <a:extLst>
+                  <a:ext uri="{FF2B5EF4-FFF2-40B4-BE49-F238E27FC236}">
+                    <a16:creationId xmlns:a16="http://schemas.microsoft.com/office/drawing/2014/main" id="{9CCBEE4B-BCB3-48EA-BF62-E5238167A3B0}"/>
+                  </a:ext>
+                </a:extLst>
+              </p:cNvPr>
+              <p:cNvCxnSpPr>
+                <a:cxnSpLocks/>
+              </p:cNvCxnSpPr>
+              <p:nvPr/>
+            </p:nvCxnSpPr>
+            <p:spPr>
+              <a:xfrm>
+                <a:off x="2692864" y="2484646"/>
+                <a:ext cx="0" cy="958372"/>
+              </a:xfrm>
+              <a:prstGeom prst="line">
+                <a:avLst/>
+              </a:prstGeom>
+              <a:ln w="57150">
+                <a:solidFill>
+                  <a:schemeClr val="bg1"/>
+                </a:solidFill>
+              </a:ln>
+            </p:spPr>
+            <p:style>
+              <a:lnRef idx="1">
+                <a:schemeClr val="dk1"/>
+              </a:lnRef>
+              <a:fillRef idx="0">
+                <a:schemeClr val="dk1"/>
+              </a:fillRef>
+              <a:effectRef idx="0">
+                <a:schemeClr val="dk1"/>
+              </a:effectRef>
+              <a:fontRef idx="minor">
+                <a:schemeClr val="tx1"/>
+              </a:fontRef>
+            </p:style>
+          </p:cxnSp>
+          <p:cxnSp>
+            <p:nvCxnSpPr>
+              <p:cNvPr id="7" name="Straight Connector 6">
+                <a:extLst>
+                  <a:ext uri="{FF2B5EF4-FFF2-40B4-BE49-F238E27FC236}">
+                    <a16:creationId xmlns:a16="http://schemas.microsoft.com/office/drawing/2014/main" id="{8AD5714C-CB9B-4607-8783-379E6C65D767}"/>
+                  </a:ext>
+                </a:extLst>
+              </p:cNvPr>
+              <p:cNvCxnSpPr>
+                <a:cxnSpLocks/>
+              </p:cNvCxnSpPr>
+              <p:nvPr/>
+            </p:nvCxnSpPr>
+            <p:spPr>
+              <a:xfrm>
+                <a:off x="3973024" y="2484646"/>
+                <a:ext cx="0" cy="958372"/>
+              </a:xfrm>
+              <a:prstGeom prst="line">
+                <a:avLst/>
+              </a:prstGeom>
+              <a:ln w="57150">
+                <a:solidFill>
+                  <a:schemeClr val="bg1"/>
+                </a:solidFill>
+              </a:ln>
+            </p:spPr>
+            <p:style>
+              <a:lnRef idx="1">
+                <a:schemeClr val="dk1"/>
+              </a:lnRef>
+              <a:fillRef idx="0">
+                <a:schemeClr val="dk1"/>
+              </a:fillRef>
+              <a:effectRef idx="0">
+                <a:schemeClr val="dk1"/>
+              </a:effectRef>
+              <a:fontRef idx="minor">
+                <a:schemeClr val="tx1"/>
+              </a:fontRef>
+            </p:style>
+          </p:cxnSp>
+          <p:sp>
+            <p:nvSpPr>
+              <p:cNvPr id="18" name="Arc 17">
+                <a:extLst>
+                  <a:ext uri="{FF2B5EF4-FFF2-40B4-BE49-F238E27FC236}">
+                    <a16:creationId xmlns:a16="http://schemas.microsoft.com/office/drawing/2014/main" id="{C48B6E94-54EE-4E6E-AB3A-99703E31569B}"/>
+                  </a:ext>
+                </a:extLst>
+              </p:cNvPr>
+              <p:cNvSpPr/>
+              <p:nvPr/>
+            </p:nvSpPr>
+            <p:spPr>
+              <a:xfrm>
+                <a:off x="2692865" y="2257678"/>
+                <a:ext cx="1280160" cy="457200"/>
+              </a:xfrm>
+              <a:prstGeom prst="arc">
+                <a:avLst>
+                  <a:gd name="adj1" fmla="val 10805306"/>
+                  <a:gd name="adj2" fmla="val 0"/>
+                </a:avLst>
+              </a:prstGeom>
+              <a:ln w="57150">
+                <a:solidFill>
+                  <a:schemeClr val="bg1"/>
+                </a:solidFill>
+              </a:ln>
+            </p:spPr>
+            <p:style>
+              <a:lnRef idx="1">
+                <a:schemeClr val="accent1"/>
+              </a:lnRef>
+              <a:fillRef idx="0">
+                <a:schemeClr val="accent1"/>
+              </a:fillRef>
+              <a:effectRef idx="0">
+                <a:schemeClr val="accent1"/>
+              </a:effectRef>
+              <a:fontRef idx="minor">
+                <a:schemeClr val="tx1"/>
+              </a:fontRef>
+            </p:style>
+            <p:txBody>
+              <a:bodyPr rtlCol="0" anchor="ctr"/>
+              <a:lstStyle/>
+              <a:p>
+                <a:pPr algn="ctr"/>
+                <a:endParaRPr lang="en-US"/>
+              </a:p>
+            </p:txBody>
+          </p:sp>
+          <p:sp>
+            <p:nvSpPr>
+              <p:cNvPr id="19" name="Arc 18">
+                <a:extLst>
+                  <a:ext uri="{FF2B5EF4-FFF2-40B4-BE49-F238E27FC236}">
+                    <a16:creationId xmlns:a16="http://schemas.microsoft.com/office/drawing/2014/main" id="{ACE5486B-CA01-4A36-B05F-1A2D2D526233}"/>
+                  </a:ext>
+                </a:extLst>
+              </p:cNvPr>
+              <p:cNvSpPr/>
+              <p:nvPr/>
+            </p:nvSpPr>
+            <p:spPr>
+              <a:xfrm rot="10800000">
+                <a:off x="2692858" y="3195540"/>
+                <a:ext cx="1280160" cy="457200"/>
+              </a:xfrm>
+              <a:prstGeom prst="arc">
+                <a:avLst>
+                  <a:gd name="adj1" fmla="val 10717388"/>
+                  <a:gd name="adj2" fmla="val 0"/>
+                </a:avLst>
+              </a:prstGeom>
+              <a:ln w="57150">
+                <a:solidFill>
+                  <a:schemeClr val="bg1"/>
+                </a:solidFill>
+              </a:ln>
+            </p:spPr>
+            <p:style>
+              <a:lnRef idx="1">
+                <a:schemeClr val="accent1"/>
+              </a:lnRef>
+              <a:fillRef idx="0">
+                <a:schemeClr val="accent1"/>
+              </a:fillRef>
+              <a:effectRef idx="0">
+                <a:schemeClr val="accent1"/>
+              </a:effectRef>
+              <a:fontRef idx="minor">
+                <a:schemeClr val="tx1"/>
+              </a:fontRef>
+            </p:style>
+            <p:txBody>
+              <a:bodyPr rtlCol="0" anchor="ctr"/>
+              <a:lstStyle/>
+              <a:p>
+                <a:pPr algn="ctr"/>
+                <a:endParaRPr lang="en-US"/>
+              </a:p>
+            </p:txBody>
+          </p:sp>
+          <p:sp>
+            <p:nvSpPr>
+              <p:cNvPr id="20" name="Arc 19">
+                <a:extLst>
+                  <a:ext uri="{FF2B5EF4-FFF2-40B4-BE49-F238E27FC236}">
+                    <a16:creationId xmlns:a16="http://schemas.microsoft.com/office/drawing/2014/main" id="{DD9F3874-1923-4AD0-97C1-E980789E6646}"/>
+                  </a:ext>
+                </a:extLst>
+              </p:cNvPr>
+              <p:cNvSpPr/>
+              <p:nvPr/>
+            </p:nvSpPr>
+            <p:spPr>
+              <a:xfrm rot="10800000">
+                <a:off x="2692858" y="2237358"/>
+                <a:ext cx="1280160" cy="457200"/>
+              </a:xfrm>
+              <a:prstGeom prst="arc">
+                <a:avLst>
+                  <a:gd name="adj1" fmla="val 12507487"/>
+                  <a:gd name="adj2" fmla="val 0"/>
+                </a:avLst>
+              </a:prstGeom>
+              <a:ln w="57150" cap="rnd">
+                <a:solidFill>
+                  <a:schemeClr val="bg1"/>
+                </a:solidFill>
+              </a:ln>
+            </p:spPr>
+            <p:style>
+              <a:lnRef idx="1">
+                <a:schemeClr val="accent1"/>
+              </a:lnRef>
+              <a:fillRef idx="0">
+                <a:schemeClr val="accent1"/>
+              </a:fillRef>
+              <a:effectRef idx="0">
+                <a:schemeClr val="accent1"/>
+              </a:effectRef>
+              <a:fontRef idx="minor">
+                <a:schemeClr val="tx1"/>
+              </a:fontRef>
+            </p:style>
+            <p:txBody>
+              <a:bodyPr rtlCol="0" anchor="ctr"/>
+              <a:lstStyle/>
+              <a:p>
+                <a:pPr algn="ctr"/>
+                <a:endParaRPr lang="en-US" dirty="0"/>
+              </a:p>
+            </p:txBody>
+          </p:sp>
+          <p:sp>
+            <p:nvSpPr>
+              <p:cNvPr id="21" name="Arc 20">
+                <a:extLst>
+                  <a:ext uri="{FF2B5EF4-FFF2-40B4-BE49-F238E27FC236}">
+                    <a16:creationId xmlns:a16="http://schemas.microsoft.com/office/drawing/2014/main" id="{AB19DB6B-436A-490E-BD7F-B8EBB17D8C00}"/>
+                  </a:ext>
+                </a:extLst>
+              </p:cNvPr>
+              <p:cNvSpPr/>
+              <p:nvPr/>
+            </p:nvSpPr>
+            <p:spPr>
+              <a:xfrm rot="10800000">
+                <a:off x="2692857" y="2589699"/>
+                <a:ext cx="1280160" cy="457200"/>
+              </a:xfrm>
+              <a:prstGeom prst="arc">
+                <a:avLst>
+                  <a:gd name="adj1" fmla="val 10924143"/>
+                  <a:gd name="adj2" fmla="val 0"/>
+                </a:avLst>
+              </a:prstGeom>
+              <a:ln w="57150">
+                <a:solidFill>
+                  <a:schemeClr val="bg1"/>
+                </a:solidFill>
+              </a:ln>
+            </p:spPr>
+            <p:style>
+              <a:lnRef idx="1">
+                <a:schemeClr val="accent1"/>
+              </a:lnRef>
+              <a:fillRef idx="0">
+                <a:schemeClr val="accent1"/>
+              </a:fillRef>
+              <a:effectRef idx="0">
+                <a:schemeClr val="accent1"/>
+              </a:effectRef>
+              <a:fontRef idx="minor">
+                <a:schemeClr val="tx1"/>
+              </a:fontRef>
+            </p:style>
+            <p:txBody>
+              <a:bodyPr rtlCol="0" anchor="ctr"/>
+              <a:lstStyle/>
+              <a:p>
+                <a:pPr algn="ctr"/>
+                <a:endParaRPr lang="en-US"/>
+              </a:p>
+            </p:txBody>
+          </p:sp>
+          <p:sp>
+            <p:nvSpPr>
+              <p:cNvPr id="22" name="Arc 21">
+                <a:extLst>
+                  <a:ext uri="{FF2B5EF4-FFF2-40B4-BE49-F238E27FC236}">
+                    <a16:creationId xmlns:a16="http://schemas.microsoft.com/office/drawing/2014/main" id="{08F063B8-027A-4B92-A821-5D6F612FD8B0}"/>
+                  </a:ext>
+                </a:extLst>
+              </p:cNvPr>
+              <p:cNvSpPr/>
+              <p:nvPr/>
+            </p:nvSpPr>
+            <p:spPr>
+              <a:xfrm rot="10800000">
+                <a:off x="2692849" y="2878184"/>
+                <a:ext cx="1280160" cy="457200"/>
+              </a:xfrm>
+              <a:prstGeom prst="arc">
+                <a:avLst>
+                  <a:gd name="adj1" fmla="val 10924143"/>
+                  <a:gd name="adj2" fmla="val 20064838"/>
+                </a:avLst>
+              </a:prstGeom>
+              <a:ln w="57150" cap="rnd">
+                <a:solidFill>
+                  <a:schemeClr val="bg1"/>
+                </a:solidFill>
+              </a:ln>
+            </p:spPr>
+            <p:style>
+              <a:lnRef idx="1">
+                <a:schemeClr val="accent1"/>
+              </a:lnRef>
+              <a:fillRef idx="0">
+                <a:schemeClr val="accent1"/>
+              </a:fillRef>
+              <a:effectRef idx="0">
+                <a:schemeClr val="accent1"/>
+              </a:effectRef>
+              <a:fontRef idx="minor">
+                <a:schemeClr val="tx1"/>
+              </a:fontRef>
+            </p:style>
+            <p:txBody>
+              <a:bodyPr rtlCol="0" anchor="ctr"/>
+              <a:lstStyle/>
+              <a:p>
+                <a:pPr algn="ctr"/>
+                <a:endParaRPr lang="en-US"/>
+              </a:p>
+            </p:txBody>
+          </p:sp>
+        </p:grpSp>
+        <p:sp>
+          <p:nvSpPr>
+            <p:cNvPr id="45" name="Rectangle 44">
+              <a:extLst>
+                <a:ext uri="{FF2B5EF4-FFF2-40B4-BE49-F238E27FC236}">
+                  <a16:creationId xmlns:a16="http://schemas.microsoft.com/office/drawing/2014/main" id="{4BE2DA7B-6BC3-4E69-B1BF-B71032E79193}"/>
+                </a:ext>
+              </a:extLst>
+            </p:cNvPr>
+            <p:cNvSpPr/>
+            <p:nvPr/>
+          </p:nvSpPr>
+          <p:spPr>
+            <a:xfrm>
+              <a:off x="1296444" y="948170"/>
+              <a:ext cx="1600200" cy="1602297"/>
+            </a:xfrm>
+            <a:prstGeom prst="rect">
+              <a:avLst/>
+            </a:prstGeom>
+            <a:noFill/>
+            <a:ln>
+              <a:noFill/>
+            </a:ln>
+          </p:spPr>
+          <p:style>
+            <a:lnRef idx="2">
+              <a:schemeClr val="accent1">
+                <a:shade val="50000"/>
+              </a:schemeClr>
+            </a:lnRef>
+            <a:fillRef idx="1">
+              <a:schemeClr val="accent1"/>
+            </a:fillRef>
+            <a:effectRef idx="0">
+              <a:schemeClr val="accent1"/>
+            </a:effectRef>
+            <a:fontRef idx="minor">
+              <a:schemeClr val="lt1"/>
+            </a:fontRef>
+          </p:style>
+          <p:txBody>
+            <a:bodyPr rtlCol="0" anchor="ctr"/>
+            <a:lstStyle/>
+            <a:p>
+              <a:pPr algn="ctr"/>
+              <a:endParaRPr lang="en-US"/>
+            </a:p>
+          </p:txBody>
+        </p:sp>
+      </p:grpSp>
+    </p:spTree>
+    <p:extLst>
+      <p:ext uri="{BB962C8B-B14F-4D97-AF65-F5344CB8AC3E}">
+        <p14:creationId xmlns:p14="http://schemas.microsoft.com/office/powerpoint/2010/main" val="847506276"/>
       </p:ext>
     </p:extLst>
   </p:cSld>
